--- a/HITESH TECHNICAL Journey Book Template 2024.pptx
+++ b/HITESH TECHNICAL Journey Book Template 2024.pptx
@@ -5,10 +5,10 @@
     <p:sldMasterId id="2147483648" r:id="rId4"/>
   </p:sldMasterIdLst>
   <p:notesMasterIdLst>
-    <p:notesMasterId r:id="rId11"/>
+    <p:notesMasterId r:id="rId13"/>
   </p:notesMasterIdLst>
   <p:handoutMasterIdLst>
-    <p:handoutMasterId r:id="rId12"/>
+    <p:handoutMasterId r:id="rId14"/>
   </p:handoutMasterIdLst>
   <p:sldIdLst>
     <p:sldId id="256" r:id="rId5"/>
@@ -16,12 +16,14 @@
     <p:sldId id="2147375597" r:id="rId7"/>
     <p:sldId id="2147375600" r:id="rId8"/>
     <p:sldId id="2147375601" r:id="rId9"/>
-    <p:sldId id="1633" r:id="rId10"/>
+    <p:sldId id="2147375604" r:id="rId10"/>
+    <p:sldId id="2147375602" r:id="rId11"/>
+    <p:sldId id="1633" r:id="rId12"/>
   </p:sldIdLst>
   <p:sldSz cx="12192000" cy="6858000"/>
   <p:notesSz cx="6858000" cy="9144000"/>
   <p:custDataLst>
-    <p:tags r:id="rId13"/>
+    <p:tags r:id="rId15"/>
   </p:custDataLst>
   <p:defaultTextStyle>
     <a:defPPr>
@@ -9201,88 +9203,532 @@
             </a:lvl9pPr>
           </a:lstStyle>
           <a:p>
-            <a:pPr algn="just"/>
-            <a:r>
-              <a:rPr lang="en-US" sz="1100" b="1" dirty="0"/>
-              <a:t>Key learning</a:t>
-            </a:r>
-          </a:p>
-          <a:p>
-            <a:pPr lvl="1" algn="just"/>
-            <a:r>
-              <a:rPr lang="en-US" sz="800" dirty="0"/>
-              <a:t>Understanding and managing stakeholder relationships is key to ensuring project success, as it enhances alignment, improves risk management, and fosters positive relationships.</a:t>
-            </a:r>
-          </a:p>
-          <a:p>
-            <a:pPr lvl="1" algn="just"/>
-            <a:r>
-              <a:rPr lang="en-US" sz="800" dirty="0"/>
-              <a:t>Building trust within teams and with external stakeholders can significantly enhance collaboration, decision-making, and overall project success.</a:t>
-            </a:r>
-          </a:p>
-          <a:p>
-            <a:pPr algn="just"/>
-            <a:r>
-              <a:rPr lang="en-US" sz="1100" b="1" dirty="0"/>
-              <a:t>Key takeaway</a:t>
-            </a:r>
-          </a:p>
-          <a:p>
-            <a:pPr lvl="1" algn="just"/>
-            <a:r>
-              <a:rPr lang="en-US" sz="800" dirty="0"/>
-              <a:t>Proactive stakeholder management can significantly improve project outcomes by ensuring that all parties are engaged, informed, and aligned towards common goals.</a:t>
-            </a:r>
-          </a:p>
-          <a:p>
-            <a:pPr lvl="1" algn="just"/>
-            <a:r>
-              <a:rPr lang="en-US" sz="800" dirty="0"/>
-              <a:t>Trust leads to faster communication, reduced conflicts, and a more positive working environment, which are critical for high-performing teams.</a:t>
-            </a:r>
-          </a:p>
-          <a:p>
-            <a:pPr algn="just"/>
-            <a:r>
-              <a:rPr lang="en-US" sz="1100" b="1" dirty="0"/>
-              <a:t>How do I personally see this concept implemented in the Energy sector</a:t>
-            </a:r>
-          </a:p>
-          <a:p>
-            <a:pPr lvl="1" algn="just"/>
-            <a:r>
-              <a:rPr lang="en-US" sz="800" dirty="0"/>
-              <a:t>In the energy sector, engaging diverse stakeholders like regulators, communities, and investors is key. Effective management ensures project compliance and support from influential parties.</a:t>
-            </a:r>
-          </a:p>
-          <a:p>
-            <a:pPr lvl="1" algn="just"/>
-            <a:r>
-              <a:rPr lang="en-US" sz="800" dirty="0"/>
-              <a:t>Trust is crucial in high-stakes energy projects with complex collaborations. Building trust with team members and stakeholders leads to smoother operations and better project outcomes.</a:t>
-            </a:r>
-          </a:p>
-          <a:p>
-            <a:pPr algn="just"/>
-            <a:r>
-              <a:rPr lang="en-US" sz="1100" b="1" dirty="0"/>
-              <a:t>Activity</a:t>
-            </a:r>
-          </a:p>
-          <a:p>
-            <a:pPr lvl="1" algn="just"/>
-            <a:r>
-              <a:rPr lang="en-US" sz="800" dirty="0"/>
-              <a:t>In a team of seven, we reviewed Sarah’s efforts to revitalize her university’s Environmental Club through rebranding, partnerships, and events. We identified stakeholders (students, faculty, admin, local groups) and classified them using the Power-Interest Grid: inform (low interest students), collaborate (active members), monitor (general student body), and satisfy (admin, local partners).</a:t>
-            </a:r>
-          </a:p>
-          <a:p>
-            <a:pPr lvl="1" algn="just"/>
-            <a:r>
-              <a:rPr lang="en-US" sz="800" dirty="0"/>
-              <a:t>In a team of seven, we role-played stakeholders in GreenWave Energy’s "Ocean Horizon" project, each representing different interests like regulators, investors, and environmental groups. As the CTO and Environmental Advisor, I advocated for sustainable practices while negotiating to align diverse stakeholder priorities and reach a consensus on project goals.</a:t>
-            </a:r>
+            <a:pPr algn="l"/>
+            <a:r>
+              <a:rPr lang="en-GB" sz="1200" b="1" i="0" dirty="0">
+                <a:solidFill>
+                  <a:srgbClr val="111111"/>
+                </a:solidFill>
+                <a:effectLst/>
+                <a:highlight>
+                  <a:srgbClr val="F7F7F7"/>
+                </a:highlight>
+                <a:latin typeface="-apple-system"/>
+              </a:rPr>
+              <a:t>Introduction to Business Analysis</a:t>
+            </a:r>
+            <a:endParaRPr lang="en-GB" sz="1200" b="0" i="0" dirty="0">
+              <a:solidFill>
+                <a:srgbClr val="111111"/>
+              </a:solidFill>
+              <a:effectLst/>
+              <a:highlight>
+                <a:srgbClr val="F7F7F7"/>
+              </a:highlight>
+              <a:latin typeface="-apple-system"/>
+            </a:endParaRPr>
+          </a:p>
+          <a:p>
+            <a:pPr lvl="1"/>
+            <a:r>
+              <a:rPr lang="en-GB" sz="1200" b="1" i="0" dirty="0">
+                <a:solidFill>
+                  <a:srgbClr val="111111"/>
+                </a:solidFill>
+                <a:effectLst/>
+                <a:highlight>
+                  <a:srgbClr val="F7F7F7"/>
+                </a:highlight>
+                <a:latin typeface="-apple-system"/>
+              </a:rPr>
+              <a:t>Definition</a:t>
+            </a:r>
+            <a:r>
+              <a:rPr lang="en-GB" sz="1200" b="0" i="0" dirty="0">
+                <a:solidFill>
+                  <a:srgbClr val="111111"/>
+                </a:solidFill>
+                <a:effectLst/>
+                <a:highlight>
+                  <a:srgbClr val="F7F7F7"/>
+                </a:highlight>
+                <a:latin typeface="-apple-system"/>
+              </a:rPr>
+              <a:t>: According to the International Institute of Business Analysis (IIBA), business analysis is the practice of enabling change within an organizational context.</a:t>
+            </a:r>
+          </a:p>
+          <a:p>
+            <a:pPr lvl="1"/>
+            <a:r>
+              <a:rPr lang="en-GB" sz="1200" b="1" i="0" dirty="0">
+                <a:solidFill>
+                  <a:srgbClr val="111111"/>
+                </a:solidFill>
+                <a:effectLst/>
+                <a:highlight>
+                  <a:srgbClr val="F7F7F7"/>
+                </a:highlight>
+                <a:latin typeface="-apple-system"/>
+              </a:rPr>
+              <a:t>Business</a:t>
+            </a:r>
+            <a:r>
+              <a:rPr lang="en-GB" sz="1200" b="0" i="0" dirty="0">
+                <a:solidFill>
+                  <a:srgbClr val="111111"/>
+                </a:solidFill>
+                <a:effectLst/>
+                <a:highlight>
+                  <a:srgbClr val="F7F7F7"/>
+                </a:highlight>
+                <a:latin typeface="-apple-system"/>
+              </a:rPr>
+              <a:t>: An organization that provides products or services to satisfy customer needs with the objective of making a profit.</a:t>
+            </a:r>
+          </a:p>
+          <a:p>
+            <a:pPr lvl="1"/>
+            <a:r>
+              <a:rPr lang="en-GB" sz="1200" b="1" i="0" dirty="0">
+                <a:solidFill>
+                  <a:srgbClr val="111111"/>
+                </a:solidFill>
+                <a:effectLst/>
+                <a:highlight>
+                  <a:srgbClr val="F7F7F7"/>
+                </a:highlight>
+                <a:latin typeface="-apple-system"/>
+              </a:rPr>
+              <a:t>Analysis</a:t>
+            </a:r>
+            <a:r>
+              <a:rPr lang="en-GB" sz="1200" b="0" i="0" dirty="0">
+                <a:solidFill>
+                  <a:srgbClr val="111111"/>
+                </a:solidFill>
+                <a:effectLst/>
+                <a:highlight>
+                  <a:srgbClr val="F7F7F7"/>
+                </a:highlight>
+                <a:latin typeface="-apple-system"/>
+              </a:rPr>
+              <a:t>: A systematic examination.</a:t>
+            </a:r>
+          </a:p>
+          <a:p>
+            <a:pPr algn="l"/>
+            <a:r>
+              <a:rPr lang="en-GB" sz="1200" b="1" i="0" dirty="0">
+                <a:solidFill>
+                  <a:srgbClr val="111111"/>
+                </a:solidFill>
+                <a:effectLst/>
+                <a:highlight>
+                  <a:srgbClr val="F7F7F7"/>
+                </a:highlight>
+                <a:latin typeface="-apple-system"/>
+              </a:rPr>
+              <a:t>SDLC Model (Software Development Life Cycle)</a:t>
+            </a:r>
+            <a:endParaRPr lang="en-GB" sz="1200" b="0" i="0" dirty="0">
+              <a:solidFill>
+                <a:srgbClr val="111111"/>
+              </a:solidFill>
+              <a:effectLst/>
+              <a:highlight>
+                <a:srgbClr val="F7F7F7"/>
+              </a:highlight>
+              <a:latin typeface="-apple-system"/>
+            </a:endParaRPr>
+          </a:p>
+          <a:p>
+            <a:pPr lvl="1">
+              <a:buFont typeface="+mj-lt"/>
+              <a:buAutoNum type="arabicPeriod"/>
+            </a:pPr>
+            <a:r>
+              <a:rPr lang="en-GB" sz="1200" b="1" i="0" dirty="0">
+                <a:solidFill>
+                  <a:srgbClr val="111111"/>
+                </a:solidFill>
+                <a:effectLst/>
+                <a:highlight>
+                  <a:srgbClr val="F7F7F7"/>
+                </a:highlight>
+                <a:latin typeface="-apple-system"/>
+              </a:rPr>
+              <a:t>Planning</a:t>
+            </a:r>
+            <a:r>
+              <a:rPr lang="en-GB" sz="1200" b="0" i="0" dirty="0">
+                <a:solidFill>
+                  <a:srgbClr val="111111"/>
+                </a:solidFill>
+                <a:effectLst/>
+                <a:highlight>
+                  <a:srgbClr val="F7F7F7"/>
+                </a:highlight>
+                <a:latin typeface="-apple-system"/>
+              </a:rPr>
+              <a:t>: Involves business analysts to define requirements.</a:t>
+            </a:r>
+          </a:p>
+          <a:p>
+            <a:pPr lvl="1">
+              <a:buFont typeface="+mj-lt"/>
+              <a:buAutoNum type="arabicPeriod"/>
+            </a:pPr>
+            <a:r>
+              <a:rPr lang="en-GB" sz="1200" b="1" i="0" dirty="0">
+                <a:solidFill>
+                  <a:srgbClr val="111111"/>
+                </a:solidFill>
+                <a:effectLst/>
+                <a:highlight>
+                  <a:srgbClr val="F7F7F7"/>
+                </a:highlight>
+                <a:latin typeface="-apple-system"/>
+              </a:rPr>
+              <a:t>Design and Prototyping</a:t>
+            </a:r>
+            <a:endParaRPr lang="en-GB" sz="1200" b="0" i="0" dirty="0">
+              <a:solidFill>
+                <a:srgbClr val="111111"/>
+              </a:solidFill>
+              <a:effectLst/>
+              <a:highlight>
+                <a:srgbClr val="F7F7F7"/>
+              </a:highlight>
+              <a:latin typeface="-apple-system"/>
+            </a:endParaRPr>
+          </a:p>
+          <a:p>
+            <a:pPr lvl="1">
+              <a:buFont typeface="+mj-lt"/>
+              <a:buAutoNum type="arabicPeriod"/>
+            </a:pPr>
+            <a:r>
+              <a:rPr lang="en-GB" sz="1200" b="1" i="0" dirty="0">
+                <a:solidFill>
+                  <a:srgbClr val="111111"/>
+                </a:solidFill>
+                <a:effectLst/>
+                <a:highlight>
+                  <a:srgbClr val="F7F7F7"/>
+                </a:highlight>
+                <a:latin typeface="-apple-system"/>
+              </a:rPr>
+              <a:t>Software Development</a:t>
+            </a:r>
+            <a:endParaRPr lang="en-GB" sz="1200" b="0" i="0" dirty="0">
+              <a:solidFill>
+                <a:srgbClr val="111111"/>
+              </a:solidFill>
+              <a:effectLst/>
+              <a:highlight>
+                <a:srgbClr val="F7F7F7"/>
+              </a:highlight>
+              <a:latin typeface="-apple-system"/>
+            </a:endParaRPr>
+          </a:p>
+          <a:p>
+            <a:pPr lvl="1">
+              <a:buFont typeface="+mj-lt"/>
+              <a:buAutoNum type="arabicPeriod"/>
+            </a:pPr>
+            <a:r>
+              <a:rPr lang="en-GB" sz="1200" b="1" i="0" dirty="0">
+                <a:solidFill>
+                  <a:srgbClr val="111111"/>
+                </a:solidFill>
+                <a:effectLst/>
+                <a:highlight>
+                  <a:srgbClr val="F7F7F7"/>
+                </a:highlight>
+                <a:latin typeface="-apple-system"/>
+              </a:rPr>
+              <a:t>Testing</a:t>
+            </a:r>
+            <a:endParaRPr lang="en-GB" sz="1200" b="0" i="0" dirty="0">
+              <a:solidFill>
+                <a:srgbClr val="111111"/>
+              </a:solidFill>
+              <a:effectLst/>
+              <a:highlight>
+                <a:srgbClr val="F7F7F7"/>
+              </a:highlight>
+              <a:latin typeface="-apple-system"/>
+            </a:endParaRPr>
+          </a:p>
+          <a:p>
+            <a:pPr lvl="1">
+              <a:buFont typeface="+mj-lt"/>
+              <a:buAutoNum type="arabicPeriod"/>
+            </a:pPr>
+            <a:r>
+              <a:rPr lang="en-GB" sz="1200" b="1" i="0" dirty="0">
+                <a:solidFill>
+                  <a:srgbClr val="111111"/>
+                </a:solidFill>
+                <a:effectLst/>
+                <a:highlight>
+                  <a:srgbClr val="F7F7F7"/>
+                </a:highlight>
+                <a:latin typeface="-apple-system"/>
+              </a:rPr>
+              <a:t>Deployment</a:t>
+            </a:r>
+            <a:endParaRPr lang="en-GB" sz="1200" b="0" i="0" dirty="0">
+              <a:solidFill>
+                <a:srgbClr val="111111"/>
+              </a:solidFill>
+              <a:effectLst/>
+              <a:highlight>
+                <a:srgbClr val="F7F7F7"/>
+              </a:highlight>
+              <a:latin typeface="-apple-system"/>
+            </a:endParaRPr>
+          </a:p>
+          <a:p>
+            <a:pPr lvl="1">
+              <a:buFont typeface="+mj-lt"/>
+              <a:buAutoNum type="arabicPeriod"/>
+            </a:pPr>
+            <a:r>
+              <a:rPr lang="en-GB" sz="1200" b="1" i="0" dirty="0">
+                <a:solidFill>
+                  <a:srgbClr val="111111"/>
+                </a:solidFill>
+                <a:effectLst/>
+                <a:highlight>
+                  <a:srgbClr val="F7F7F7"/>
+                </a:highlight>
+                <a:latin typeface="-apple-system"/>
+              </a:rPr>
+              <a:t>Operations and Maintenance</a:t>
+            </a:r>
+            <a:endParaRPr lang="en-GB" sz="1200" dirty="0">
+              <a:solidFill>
+                <a:srgbClr val="111111"/>
+              </a:solidFill>
+              <a:highlight>
+                <a:srgbClr val="F7F7F7"/>
+              </a:highlight>
+              <a:latin typeface="-apple-system"/>
+            </a:endParaRPr>
+          </a:p>
+          <a:p>
+            <a:pPr algn="l"/>
+            <a:r>
+              <a:rPr lang="en-GB" sz="1200" b="1" i="0" dirty="0">
+                <a:solidFill>
+                  <a:srgbClr val="111111"/>
+                </a:solidFill>
+                <a:effectLst/>
+                <a:highlight>
+                  <a:srgbClr val="F7F7F7"/>
+                </a:highlight>
+                <a:latin typeface="-apple-system"/>
+              </a:rPr>
+              <a:t>Requirement Analysis</a:t>
+            </a:r>
+            <a:endParaRPr lang="en-GB" sz="1200" b="0" i="0" dirty="0">
+              <a:solidFill>
+                <a:srgbClr val="111111"/>
+              </a:solidFill>
+              <a:effectLst/>
+              <a:highlight>
+                <a:srgbClr val="F7F7F7"/>
+              </a:highlight>
+              <a:latin typeface="-apple-system"/>
+            </a:endParaRPr>
+          </a:p>
+          <a:p>
+            <a:pPr lvl="1"/>
+            <a:r>
+              <a:rPr lang="en-GB" sz="1200" b="1" i="0" dirty="0">
+                <a:solidFill>
+                  <a:srgbClr val="111111"/>
+                </a:solidFill>
+                <a:effectLst/>
+                <a:highlight>
+                  <a:srgbClr val="F7F7F7"/>
+                </a:highlight>
+                <a:latin typeface="-apple-system"/>
+              </a:rPr>
+              <a:t>Definition</a:t>
+            </a:r>
+            <a:r>
+              <a:rPr lang="en-GB" sz="1200" b="0" i="0" dirty="0">
+                <a:solidFill>
+                  <a:srgbClr val="111111"/>
+                </a:solidFill>
+                <a:effectLst/>
+                <a:highlight>
+                  <a:srgbClr val="F7F7F7"/>
+                </a:highlight>
+                <a:latin typeface="-apple-system"/>
+              </a:rPr>
+              <a:t>: The process of defining user expectations for a new or modified software.</a:t>
+            </a:r>
+          </a:p>
+          <a:p>
+            <a:pPr lvl="1"/>
+            <a:r>
+              <a:rPr lang="en-GB" sz="1200" b="1" i="0" dirty="0">
+                <a:solidFill>
+                  <a:srgbClr val="111111"/>
+                </a:solidFill>
+                <a:effectLst/>
+                <a:highlight>
+                  <a:srgbClr val="F7F7F7"/>
+                </a:highlight>
+                <a:latin typeface="-apple-system"/>
+              </a:rPr>
+              <a:t>Types</a:t>
+            </a:r>
+            <a:r>
+              <a:rPr lang="en-GB" sz="1200" b="0" i="0" dirty="0">
+                <a:solidFill>
+                  <a:srgbClr val="111111"/>
+                </a:solidFill>
+                <a:effectLst/>
+                <a:highlight>
+                  <a:srgbClr val="F7F7F7"/>
+                </a:highlight>
+                <a:latin typeface="-apple-system"/>
+              </a:rPr>
+              <a:t>:</a:t>
+            </a:r>
+          </a:p>
+          <a:p>
+            <a:pPr marL="1200150" lvl="2" indent="-285750"/>
+            <a:r>
+              <a:rPr lang="en-GB" sz="1200" b="1" i="0" dirty="0">
+                <a:solidFill>
+                  <a:srgbClr val="111111"/>
+                </a:solidFill>
+                <a:effectLst/>
+                <a:highlight>
+                  <a:srgbClr val="F7F7F7"/>
+                </a:highlight>
+                <a:latin typeface="-apple-system"/>
+              </a:rPr>
+              <a:t>Functional Requirements</a:t>
+            </a:r>
+            <a:r>
+              <a:rPr lang="en-GB" sz="1200" b="0" i="0" dirty="0">
+                <a:solidFill>
+                  <a:srgbClr val="111111"/>
+                </a:solidFill>
+                <a:effectLst/>
+                <a:highlight>
+                  <a:srgbClr val="F7F7F7"/>
+                </a:highlight>
+                <a:latin typeface="-apple-system"/>
+              </a:rPr>
+              <a:t>: Describe what the product does (mandatory).</a:t>
+            </a:r>
+          </a:p>
+          <a:p>
+            <a:pPr marL="1200150" lvl="2" indent="-285750"/>
+            <a:r>
+              <a:rPr lang="en-GB" sz="1200" b="1" i="0" dirty="0">
+                <a:solidFill>
+                  <a:srgbClr val="111111"/>
+                </a:solidFill>
+                <a:effectLst/>
+                <a:highlight>
+                  <a:srgbClr val="F7F7F7"/>
+                </a:highlight>
+                <a:latin typeface="-apple-system"/>
+              </a:rPr>
+              <a:t>Non-Functional Requirements</a:t>
+            </a:r>
+            <a:r>
+              <a:rPr lang="en-GB" sz="1200" b="0" i="0" dirty="0">
+                <a:solidFill>
+                  <a:srgbClr val="111111"/>
+                </a:solidFill>
+                <a:effectLst/>
+                <a:highlight>
+                  <a:srgbClr val="F7F7F7"/>
+                </a:highlight>
+                <a:latin typeface="-apple-system"/>
+              </a:rPr>
+              <a:t>: Describe how the product works (non-mandatory).</a:t>
+            </a:r>
+          </a:p>
+          <a:p>
+            <a:pPr lvl="1"/>
+            <a:r>
+              <a:rPr lang="en-GB" sz="1200" b="1" i="0" dirty="0">
+                <a:solidFill>
+                  <a:srgbClr val="111111"/>
+                </a:solidFill>
+                <a:effectLst/>
+                <a:highlight>
+                  <a:srgbClr val="F7F7F7"/>
+                </a:highlight>
+                <a:latin typeface="-apple-system"/>
+              </a:rPr>
+              <a:t>Key Learning</a:t>
+            </a:r>
+            <a:r>
+              <a:rPr lang="en-GB" sz="1200" b="0" i="0" dirty="0">
+                <a:solidFill>
+                  <a:srgbClr val="111111"/>
+                </a:solidFill>
+                <a:effectLst/>
+                <a:highlight>
+                  <a:srgbClr val="F7F7F7"/>
+                </a:highlight>
+                <a:latin typeface="-apple-system"/>
+              </a:rPr>
+              <a:t>: Never assume; always ask. This was emphasized through a team activity where we </a:t>
+            </a:r>
+            <a:r>
+              <a:rPr lang="en-GB" sz="1200" b="0" i="0" dirty="0" err="1">
+                <a:solidFill>
+                  <a:srgbClr val="111111"/>
+                </a:solidFill>
+                <a:effectLst/>
+                <a:highlight>
+                  <a:srgbClr val="F7F7F7"/>
+                </a:highlight>
+                <a:latin typeface="-apple-system"/>
+              </a:rPr>
+              <a:t>modeled</a:t>
+            </a:r>
+            <a:r>
+              <a:rPr lang="en-GB" sz="1200" b="0" i="0" dirty="0">
+                <a:solidFill>
+                  <a:srgbClr val="111111"/>
+                </a:solidFill>
+                <a:effectLst/>
+                <a:highlight>
+                  <a:srgbClr val="F7F7F7"/>
+                </a:highlight>
+                <a:latin typeface="-apple-system"/>
+              </a:rPr>
+              <a:t> a paper airplane.</a:t>
+            </a:r>
+          </a:p>
+          <a:p>
+            <a:pPr lvl="1">
+              <a:buFont typeface="+mj-lt"/>
+              <a:buAutoNum type="arabicPeriod"/>
+            </a:pPr>
+            <a:endParaRPr lang="en-GB" sz="1200" b="1" i="0" dirty="0">
+              <a:solidFill>
+                <a:srgbClr val="111111"/>
+              </a:solidFill>
+              <a:effectLst/>
+              <a:highlight>
+                <a:srgbClr val="F7F7F7"/>
+              </a:highlight>
+              <a:latin typeface="-apple-system"/>
+            </a:endParaRPr>
           </a:p>
         </p:txBody>
       </p:sp>
@@ -9761,88 +10207,495 @@
             </a:lvl9pPr>
           </a:lstStyle>
           <a:p>
-            <a:pPr algn="just"/>
-            <a:r>
-              <a:rPr lang="en-US" sz="1100" b="1" dirty="0"/>
-              <a:t>Key learning</a:t>
-            </a:r>
-          </a:p>
-          <a:p>
-            <a:pPr lvl="1" algn="just"/>
-            <a:r>
-              <a:rPr lang="en-US" sz="800" dirty="0"/>
-              <a:t>Understanding and managing stakeholder relationships is key to ensuring project success, as it enhances alignment, improves risk management, and fosters positive relationships.</a:t>
-            </a:r>
-          </a:p>
-          <a:p>
-            <a:pPr lvl="1" algn="just"/>
-            <a:r>
-              <a:rPr lang="en-US" sz="800" dirty="0"/>
-              <a:t>Building trust within teams and with external stakeholders can significantly enhance collaboration, decision-making, and overall project success.</a:t>
-            </a:r>
-          </a:p>
-          <a:p>
-            <a:pPr algn="just"/>
-            <a:r>
-              <a:rPr lang="en-US" sz="1100" b="1" dirty="0"/>
-              <a:t>Key takeaway</a:t>
-            </a:r>
-          </a:p>
-          <a:p>
-            <a:pPr lvl="1" algn="just"/>
-            <a:r>
-              <a:rPr lang="en-US" sz="800" dirty="0"/>
-              <a:t>Proactive stakeholder management can significantly improve project outcomes by ensuring that all parties are engaged, informed, and aligned towards common goals.</a:t>
-            </a:r>
-          </a:p>
-          <a:p>
-            <a:pPr lvl="1" algn="just"/>
-            <a:r>
-              <a:rPr lang="en-US" sz="800" dirty="0"/>
-              <a:t>Trust leads to faster communication, reduced conflicts, and a more positive working environment, which are critical for high-performing teams.</a:t>
-            </a:r>
-          </a:p>
-          <a:p>
-            <a:pPr algn="just"/>
-            <a:r>
-              <a:rPr lang="en-US" sz="1100" b="1" dirty="0"/>
-              <a:t>How do I personally see this concept implemented in the Energy sector</a:t>
-            </a:r>
-          </a:p>
-          <a:p>
-            <a:pPr lvl="1" algn="just"/>
-            <a:r>
-              <a:rPr lang="en-US" sz="800" dirty="0"/>
-              <a:t>In the energy sector, engaging diverse stakeholders like regulators, communities, and investors is key. Effective management ensures project compliance and support from influential parties.</a:t>
-            </a:r>
-          </a:p>
-          <a:p>
-            <a:pPr lvl="1" algn="just"/>
-            <a:r>
-              <a:rPr lang="en-US" sz="800" dirty="0"/>
-              <a:t>Trust is crucial in high-stakes energy projects with complex collaborations. Building trust with team members and stakeholders leads to smoother operations and better project outcomes.</a:t>
-            </a:r>
-          </a:p>
-          <a:p>
-            <a:pPr algn="just"/>
-            <a:r>
-              <a:rPr lang="en-US" sz="1100" b="1" dirty="0"/>
-              <a:t>Activity</a:t>
-            </a:r>
-          </a:p>
-          <a:p>
-            <a:pPr lvl="1" algn="just"/>
-            <a:r>
-              <a:rPr lang="en-US" sz="800" dirty="0"/>
-              <a:t>In a team of seven, we reviewed Sarah’s efforts to revitalize her university’s Environmental Club through rebranding, partnerships, and events. We identified stakeholders (students, faculty, admin, local groups) and classified them using the Power-Interest Grid: inform (low interest students), collaborate (active members), monitor (general student body), and satisfy (admin, local partners).</a:t>
-            </a:r>
-          </a:p>
-          <a:p>
-            <a:pPr lvl="1" algn="just"/>
-            <a:r>
-              <a:rPr lang="en-US" sz="800" dirty="0"/>
-              <a:t>In a team of seven, we role-played stakeholders in GreenWave Energy’s "Ocean Horizon" project, each representing different interests like regulators, investors, and environmental groups. As the CTO and Environmental Advisor, I advocated for sustainable practices while negotiating to align diverse stakeholder priorities and reach a consensus on project goals.</a:t>
-            </a:r>
+            <a:pPr algn="l"/>
+            <a:r>
+              <a:rPr lang="en-GB" sz="1100" b="1" i="0" dirty="0">
+                <a:solidFill>
+                  <a:srgbClr val="111111"/>
+                </a:solidFill>
+                <a:effectLst/>
+                <a:highlight>
+                  <a:srgbClr val="F7F7F7"/>
+                </a:highlight>
+                <a:latin typeface="-apple-system"/>
+              </a:rPr>
+              <a:t>Requirement Elicitation</a:t>
+            </a:r>
+            <a:endParaRPr lang="en-GB" sz="1100" b="0" i="0" dirty="0">
+              <a:solidFill>
+                <a:srgbClr val="111111"/>
+              </a:solidFill>
+              <a:effectLst/>
+              <a:highlight>
+                <a:srgbClr val="F7F7F7"/>
+              </a:highlight>
+              <a:latin typeface="-apple-system"/>
+            </a:endParaRPr>
+          </a:p>
+          <a:p>
+            <a:pPr lvl="1"/>
+            <a:r>
+              <a:rPr lang="en-GB" sz="1100" b="1" i="0" dirty="0">
+                <a:solidFill>
+                  <a:srgbClr val="111111"/>
+                </a:solidFill>
+                <a:effectLst/>
+                <a:highlight>
+                  <a:srgbClr val="F7F7F7"/>
+                </a:highlight>
+                <a:latin typeface="-apple-system"/>
+              </a:rPr>
+              <a:t>Definition</a:t>
+            </a:r>
+            <a:r>
+              <a:rPr lang="en-GB" sz="1100" b="0" i="0" dirty="0">
+                <a:solidFill>
+                  <a:srgbClr val="111111"/>
+                </a:solidFill>
+                <a:effectLst/>
+                <a:highlight>
+                  <a:srgbClr val="F7F7F7"/>
+                </a:highlight>
+                <a:latin typeface="-apple-system"/>
+              </a:rPr>
+              <a:t>: The practice of researching and discovering the requirements of a system from users, customers, and other stakeholders. Also known as “requirement gathering.”</a:t>
+            </a:r>
+          </a:p>
+          <a:p>
+            <a:pPr algn="l">
+              <a:buFont typeface="Arial" panose="020B0604020202020204" pitchFamily="34" charset="0"/>
+              <a:buChar char="•"/>
+            </a:pPr>
+            <a:r>
+              <a:rPr lang="en-GB" sz="1100" b="1" i="0" dirty="0">
+                <a:solidFill>
+                  <a:srgbClr val="111111"/>
+                </a:solidFill>
+                <a:effectLst/>
+                <a:highlight>
+                  <a:srgbClr val="F7F7F7"/>
+                </a:highlight>
+                <a:latin typeface="-apple-system"/>
+              </a:rPr>
+              <a:t>Top Techniques</a:t>
+            </a:r>
+            <a:r>
+              <a:rPr lang="en-GB" sz="1100" b="0" i="0" dirty="0">
+                <a:solidFill>
+                  <a:srgbClr val="111111"/>
+                </a:solidFill>
+                <a:effectLst/>
+                <a:highlight>
+                  <a:srgbClr val="F7F7F7"/>
+                </a:highlight>
+                <a:latin typeface="-apple-system"/>
+              </a:rPr>
+              <a:t>:</a:t>
+            </a:r>
+          </a:p>
+          <a:p>
+            <a:pPr marL="742950" lvl="1" indent="-285750" algn="l">
+              <a:buFont typeface="Arial" panose="020B0604020202020204" pitchFamily="34" charset="0"/>
+              <a:buChar char="•"/>
+            </a:pPr>
+            <a:r>
+              <a:rPr lang="en-GB" sz="1100" b="0" i="0" dirty="0">
+                <a:solidFill>
+                  <a:srgbClr val="111111"/>
+                </a:solidFill>
+                <a:effectLst/>
+                <a:highlight>
+                  <a:srgbClr val="F7F7F7"/>
+                </a:highlight>
+                <a:latin typeface="-apple-system"/>
+              </a:rPr>
+              <a:t>Brainstorming</a:t>
+            </a:r>
+          </a:p>
+          <a:p>
+            <a:pPr marL="742950" lvl="1" indent="-285750" algn="l">
+              <a:buFont typeface="Arial" panose="020B0604020202020204" pitchFamily="34" charset="0"/>
+              <a:buChar char="•"/>
+            </a:pPr>
+            <a:r>
+              <a:rPr lang="en-GB" sz="1100" b="0" i="0" dirty="0">
+                <a:solidFill>
+                  <a:srgbClr val="111111"/>
+                </a:solidFill>
+                <a:effectLst/>
+                <a:highlight>
+                  <a:srgbClr val="F7F7F7"/>
+                </a:highlight>
+                <a:latin typeface="-apple-system"/>
+              </a:rPr>
+              <a:t>Document Analysis</a:t>
+            </a:r>
+          </a:p>
+          <a:p>
+            <a:pPr algn="l"/>
+            <a:r>
+              <a:rPr lang="en-GB" sz="1100" b="1" i="0" dirty="0">
+                <a:solidFill>
+                  <a:srgbClr val="111111"/>
+                </a:solidFill>
+                <a:effectLst/>
+                <a:highlight>
+                  <a:srgbClr val="F7F7F7"/>
+                </a:highlight>
+                <a:latin typeface="-apple-system"/>
+              </a:rPr>
+              <a:t>Requirement </a:t>
+            </a:r>
+            <a:r>
+              <a:rPr lang="en-GB" sz="1100" b="1" i="0" dirty="0" err="1">
+                <a:solidFill>
+                  <a:srgbClr val="111111"/>
+                </a:solidFill>
+                <a:effectLst/>
+                <a:highlight>
+                  <a:srgbClr val="F7F7F7"/>
+                </a:highlight>
+                <a:latin typeface="-apple-system"/>
+              </a:rPr>
+              <a:t>Modeling</a:t>
+            </a:r>
+            <a:endParaRPr lang="en-GB" sz="1100" b="0" i="0" dirty="0">
+              <a:solidFill>
+                <a:srgbClr val="111111"/>
+              </a:solidFill>
+              <a:effectLst/>
+              <a:highlight>
+                <a:srgbClr val="F7F7F7"/>
+              </a:highlight>
+              <a:latin typeface="-apple-system"/>
+            </a:endParaRPr>
+          </a:p>
+          <a:p>
+            <a:pPr algn="l">
+              <a:buFont typeface="Arial" panose="020B0604020202020204" pitchFamily="34" charset="0"/>
+              <a:buChar char="•"/>
+            </a:pPr>
+            <a:r>
+              <a:rPr lang="en-GB" sz="1100" b="1" i="0" dirty="0">
+                <a:solidFill>
+                  <a:srgbClr val="111111"/>
+                </a:solidFill>
+                <a:effectLst/>
+                <a:highlight>
+                  <a:srgbClr val="F7F7F7"/>
+                </a:highlight>
+                <a:latin typeface="-apple-system"/>
+              </a:rPr>
+              <a:t>Types</a:t>
+            </a:r>
+            <a:r>
+              <a:rPr lang="en-GB" sz="1100" b="0" i="0" dirty="0">
+                <a:solidFill>
+                  <a:srgbClr val="111111"/>
+                </a:solidFill>
+                <a:effectLst/>
+                <a:highlight>
+                  <a:srgbClr val="F7F7F7"/>
+                </a:highlight>
+                <a:latin typeface="-apple-system"/>
+              </a:rPr>
+              <a:t>:</a:t>
+            </a:r>
+          </a:p>
+          <a:p>
+            <a:pPr marL="742950" lvl="1" indent="-285750" algn="l">
+              <a:buFont typeface="Arial" panose="020B0604020202020204" pitchFamily="34" charset="0"/>
+              <a:buChar char="•"/>
+            </a:pPr>
+            <a:r>
+              <a:rPr lang="en-GB" sz="1100" b="0" i="0" dirty="0">
+                <a:solidFill>
+                  <a:srgbClr val="111111"/>
+                </a:solidFill>
+                <a:effectLst/>
+                <a:highlight>
+                  <a:srgbClr val="F7F7F7"/>
+                </a:highlight>
+                <a:latin typeface="-apple-system"/>
+              </a:rPr>
+              <a:t>Class-Based</a:t>
+            </a:r>
+          </a:p>
+          <a:p>
+            <a:pPr marL="742950" lvl="1" indent="-285750" algn="l">
+              <a:buFont typeface="Arial" panose="020B0604020202020204" pitchFamily="34" charset="0"/>
+              <a:buChar char="•"/>
+            </a:pPr>
+            <a:r>
+              <a:rPr lang="en-GB" sz="1100" b="0" i="0" dirty="0">
+                <a:solidFill>
+                  <a:srgbClr val="111111"/>
+                </a:solidFill>
+                <a:effectLst/>
+                <a:highlight>
+                  <a:srgbClr val="F7F7F7"/>
+                </a:highlight>
+                <a:latin typeface="-apple-system"/>
+              </a:rPr>
+              <a:t>Data-Based</a:t>
+            </a:r>
+          </a:p>
+          <a:p>
+            <a:pPr algn="l"/>
+            <a:r>
+              <a:rPr lang="en-GB" sz="1100" b="1" i="0" dirty="0">
+                <a:solidFill>
+                  <a:srgbClr val="111111"/>
+                </a:solidFill>
+                <a:effectLst/>
+                <a:highlight>
+                  <a:srgbClr val="F7F7F7"/>
+                </a:highlight>
+                <a:latin typeface="-apple-system"/>
+              </a:rPr>
+              <a:t>Top Management Techniques</a:t>
+            </a:r>
+            <a:endParaRPr lang="en-GB" sz="1100" b="0" i="0" dirty="0">
+              <a:solidFill>
+                <a:srgbClr val="111111"/>
+              </a:solidFill>
+              <a:effectLst/>
+              <a:highlight>
+                <a:srgbClr val="F7F7F7"/>
+              </a:highlight>
+              <a:latin typeface="-apple-system"/>
+            </a:endParaRPr>
+          </a:p>
+          <a:p>
+            <a:pPr lvl="1">
+              <a:buFont typeface="+mj-lt"/>
+              <a:buAutoNum type="arabicPeriod"/>
+            </a:pPr>
+            <a:r>
+              <a:rPr lang="en-GB" sz="1100" b="1" i="0" dirty="0">
+                <a:solidFill>
+                  <a:srgbClr val="111111"/>
+                </a:solidFill>
+                <a:effectLst/>
+                <a:highlight>
+                  <a:srgbClr val="F7F7F7"/>
+                </a:highlight>
+                <a:latin typeface="-apple-system"/>
+              </a:rPr>
+              <a:t>Work Breakdown Structure (WBS)</a:t>
+            </a:r>
+            <a:r>
+              <a:rPr lang="en-GB" sz="1100" b="0" i="0" dirty="0">
+                <a:solidFill>
+                  <a:srgbClr val="111111"/>
+                </a:solidFill>
+                <a:effectLst/>
+                <a:highlight>
+                  <a:srgbClr val="F7F7F7"/>
+                </a:highlight>
+                <a:latin typeface="-apple-system"/>
+              </a:rPr>
+              <a:t>: Essential for effective project planning, execution, controlling, monitoring, and reporting.</a:t>
+            </a:r>
+          </a:p>
+          <a:p>
+            <a:pPr lvl="1">
+              <a:buFont typeface="+mj-lt"/>
+              <a:buAutoNum type="arabicPeriod"/>
+            </a:pPr>
+            <a:r>
+              <a:rPr lang="en-GB" sz="1100" b="1" i="0" dirty="0">
+                <a:solidFill>
+                  <a:srgbClr val="111111"/>
+                </a:solidFill>
+                <a:effectLst/>
+                <a:highlight>
+                  <a:srgbClr val="F7F7F7"/>
+                </a:highlight>
+                <a:latin typeface="-apple-system"/>
+              </a:rPr>
+              <a:t>Gantt Charts</a:t>
+            </a:r>
+            <a:endParaRPr lang="en-GB" sz="1100" b="0" i="0" dirty="0">
+              <a:solidFill>
+                <a:srgbClr val="111111"/>
+              </a:solidFill>
+              <a:effectLst/>
+              <a:highlight>
+                <a:srgbClr val="F7F7F7"/>
+              </a:highlight>
+              <a:latin typeface="-apple-system"/>
+            </a:endParaRPr>
+          </a:p>
+          <a:p>
+            <a:pPr lvl="1">
+              <a:buFont typeface="+mj-lt"/>
+              <a:buAutoNum type="arabicPeriod"/>
+            </a:pPr>
+            <a:r>
+              <a:rPr lang="en-GB" sz="1100" b="1" i="0" dirty="0">
+                <a:solidFill>
+                  <a:srgbClr val="111111"/>
+                </a:solidFill>
+                <a:effectLst/>
+                <a:highlight>
+                  <a:srgbClr val="F7F7F7"/>
+                </a:highlight>
+                <a:latin typeface="-apple-system"/>
+              </a:rPr>
+              <a:t>Critical Path Method</a:t>
+            </a:r>
+            <a:endParaRPr lang="en-GB" sz="1100" b="0" i="0" dirty="0">
+              <a:solidFill>
+                <a:srgbClr val="111111"/>
+              </a:solidFill>
+              <a:effectLst/>
+              <a:highlight>
+                <a:srgbClr val="F7F7F7"/>
+              </a:highlight>
+              <a:latin typeface="-apple-system"/>
+            </a:endParaRPr>
+          </a:p>
+          <a:p>
+            <a:pPr lvl="1">
+              <a:buFont typeface="+mj-lt"/>
+              <a:buAutoNum type="arabicPeriod"/>
+            </a:pPr>
+            <a:r>
+              <a:rPr lang="en-GB" sz="1100" b="1" i="0" dirty="0">
+                <a:solidFill>
+                  <a:srgbClr val="111111"/>
+                </a:solidFill>
+                <a:effectLst/>
+                <a:highlight>
+                  <a:srgbClr val="F7F7F7"/>
+                </a:highlight>
+                <a:latin typeface="-apple-system"/>
+              </a:rPr>
+              <a:t>Waterfall Model</a:t>
+            </a:r>
+            <a:endParaRPr lang="en-GB" sz="1100" b="0" i="0" dirty="0">
+              <a:solidFill>
+                <a:srgbClr val="111111"/>
+              </a:solidFill>
+              <a:effectLst/>
+              <a:highlight>
+                <a:srgbClr val="F7F7F7"/>
+              </a:highlight>
+              <a:latin typeface="-apple-system"/>
+            </a:endParaRPr>
+          </a:p>
+          <a:p>
+            <a:pPr lvl="1">
+              <a:buFont typeface="+mj-lt"/>
+              <a:buAutoNum type="arabicPeriod"/>
+            </a:pPr>
+            <a:r>
+              <a:rPr lang="en-GB" sz="1100" b="1" i="0" dirty="0">
+                <a:solidFill>
+                  <a:srgbClr val="111111"/>
+                </a:solidFill>
+                <a:effectLst/>
+                <a:highlight>
+                  <a:srgbClr val="F7F7F7"/>
+                </a:highlight>
+                <a:latin typeface="-apple-system"/>
+              </a:rPr>
+              <a:t>Kanban</a:t>
+            </a:r>
+            <a:endParaRPr lang="en-GB" sz="1100" b="0" i="0" dirty="0">
+              <a:solidFill>
+                <a:srgbClr val="111111"/>
+              </a:solidFill>
+              <a:effectLst/>
+              <a:highlight>
+                <a:srgbClr val="F7F7F7"/>
+              </a:highlight>
+              <a:latin typeface="-apple-system"/>
+            </a:endParaRPr>
+          </a:p>
+          <a:p>
+            <a:pPr lvl="1">
+              <a:buFont typeface="+mj-lt"/>
+              <a:buAutoNum type="arabicPeriod"/>
+            </a:pPr>
+            <a:r>
+              <a:rPr lang="en-GB" sz="1100" b="1" i="0" dirty="0">
+                <a:solidFill>
+                  <a:srgbClr val="111111"/>
+                </a:solidFill>
+                <a:effectLst/>
+                <a:highlight>
+                  <a:srgbClr val="F7F7F7"/>
+                </a:highlight>
+                <a:latin typeface="-apple-system"/>
+              </a:rPr>
+              <a:t>Scrum</a:t>
+            </a:r>
+            <a:endParaRPr lang="en-GB" sz="1100" b="0" i="0" dirty="0">
+              <a:solidFill>
+                <a:srgbClr val="111111"/>
+              </a:solidFill>
+              <a:effectLst/>
+              <a:highlight>
+                <a:srgbClr val="F7F7F7"/>
+              </a:highlight>
+              <a:latin typeface="-apple-system"/>
+            </a:endParaRPr>
+          </a:p>
+          <a:p>
+            <a:pPr algn="l"/>
+            <a:r>
+              <a:rPr lang="en-GB" sz="1100" b="1" i="0" dirty="0">
+                <a:solidFill>
+                  <a:srgbClr val="111111"/>
+                </a:solidFill>
+                <a:effectLst/>
+                <a:highlight>
+                  <a:srgbClr val="F7F7F7"/>
+                </a:highlight>
+                <a:latin typeface="-apple-system"/>
+              </a:rPr>
+              <a:t>Requirement Traceability</a:t>
+            </a:r>
+            <a:r>
+              <a:rPr lang="en-GB" sz="1100" dirty="0">
+                <a:solidFill>
+                  <a:srgbClr val="111111"/>
+                </a:solidFill>
+                <a:highlight>
+                  <a:srgbClr val="F7F7F7"/>
+                </a:highlight>
+                <a:latin typeface="-apple-system"/>
+              </a:rPr>
+              <a:t>: </a:t>
+            </a:r>
+            <a:r>
+              <a:rPr lang="en-GB" sz="1100" b="0" i="0" dirty="0">
+                <a:solidFill>
+                  <a:srgbClr val="111111"/>
+                </a:solidFill>
+                <a:effectLst/>
+                <a:highlight>
+                  <a:srgbClr val="F7F7F7"/>
+                </a:highlight>
+                <a:latin typeface="-apple-system"/>
+              </a:rPr>
+              <a:t>Ensures each business need is tied to an actual requirement and each requirement is tied to a deliverable.</a:t>
+            </a:r>
+          </a:p>
+          <a:p>
+            <a:pPr algn="l"/>
+            <a:endParaRPr lang="en-GB" sz="1100" b="0" i="0" dirty="0">
+              <a:solidFill>
+                <a:srgbClr val="111111"/>
+              </a:solidFill>
+              <a:effectLst/>
+              <a:highlight>
+                <a:srgbClr val="F7F7F7"/>
+              </a:highlight>
+              <a:latin typeface="-apple-system"/>
+            </a:endParaRPr>
           </a:p>
         </p:txBody>
       </p:sp>
@@ -10321,88 +11174,342 @@
             </a:lvl9pPr>
           </a:lstStyle>
           <a:p>
-            <a:pPr algn="just"/>
-            <a:r>
-              <a:rPr lang="en-US" sz="1100" b="1" dirty="0"/>
-              <a:t>Key learning</a:t>
-            </a:r>
-          </a:p>
-          <a:p>
-            <a:pPr lvl="1" algn="just"/>
-            <a:r>
-              <a:rPr lang="en-US" sz="800" dirty="0"/>
-              <a:t>Understanding and managing stakeholder relationships is key to ensuring project success, as it enhances alignment, improves risk management, and fosters positive relationships.</a:t>
-            </a:r>
-          </a:p>
-          <a:p>
-            <a:pPr lvl="1" algn="just"/>
-            <a:r>
-              <a:rPr lang="en-US" sz="800" dirty="0"/>
-              <a:t>Building trust within teams and with external stakeholders can significantly enhance collaboration, decision-making, and overall project success.</a:t>
-            </a:r>
-          </a:p>
-          <a:p>
-            <a:pPr algn="just"/>
-            <a:r>
-              <a:rPr lang="en-US" sz="1100" b="1" dirty="0"/>
-              <a:t>Key takeaway</a:t>
-            </a:r>
-          </a:p>
-          <a:p>
-            <a:pPr lvl="1" algn="just"/>
-            <a:r>
-              <a:rPr lang="en-US" sz="800" dirty="0"/>
-              <a:t>Proactive stakeholder management can significantly improve project outcomes by ensuring that all parties are engaged, informed, and aligned towards common goals.</a:t>
-            </a:r>
-          </a:p>
-          <a:p>
-            <a:pPr lvl="1" algn="just"/>
-            <a:r>
-              <a:rPr lang="en-US" sz="800" dirty="0"/>
-              <a:t>Trust leads to faster communication, reduced conflicts, and a more positive working environment, which are critical for high-performing teams.</a:t>
-            </a:r>
-          </a:p>
-          <a:p>
-            <a:pPr algn="just"/>
-            <a:r>
-              <a:rPr lang="en-US" sz="1100" b="1" dirty="0"/>
-              <a:t>How do I personally see this concept implemented in the Energy sector</a:t>
-            </a:r>
-          </a:p>
-          <a:p>
-            <a:pPr lvl="1" algn="just"/>
-            <a:r>
-              <a:rPr lang="en-US" sz="800" dirty="0"/>
-              <a:t>In the energy sector, engaging diverse stakeholders like regulators, communities, and investors is key. Effective management ensures project compliance and support from influential parties.</a:t>
-            </a:r>
-          </a:p>
-          <a:p>
-            <a:pPr lvl="1" algn="just"/>
-            <a:r>
-              <a:rPr lang="en-US" sz="800" dirty="0"/>
-              <a:t>Trust is crucial in high-stakes energy projects with complex collaborations. Building trust with team members and stakeholders leads to smoother operations and better project outcomes.</a:t>
-            </a:r>
-          </a:p>
-          <a:p>
-            <a:pPr algn="just"/>
-            <a:r>
-              <a:rPr lang="en-US" sz="1100" b="1" dirty="0"/>
-              <a:t>Activity</a:t>
-            </a:r>
-          </a:p>
-          <a:p>
-            <a:pPr lvl="1" algn="just"/>
-            <a:r>
-              <a:rPr lang="en-US" sz="800" dirty="0"/>
-              <a:t>In a team of seven, we reviewed Sarah’s efforts to revitalize her university’s Environmental Club through rebranding, partnerships, and events. We identified stakeholders (students, faculty, admin, local groups) and classified them using the Power-Interest Grid: inform (low interest students), collaborate (active members), monitor (general student body), and satisfy (admin, local partners).</a:t>
-            </a:r>
-          </a:p>
-          <a:p>
-            <a:pPr lvl="1" algn="just"/>
-            <a:r>
-              <a:rPr lang="en-US" sz="800" dirty="0"/>
-              <a:t>In a team of seven, we role-played stakeholders in GreenWave Energy’s "Ocean Horizon" project, each representing different interests like regulators, investors, and environmental groups. As the CTO and Environmental Advisor, I advocated for sustainable practices while negotiating to align diverse stakeholder priorities and reach a consensus on project goals.</a:t>
-            </a:r>
+            <a:pPr algn="l"/>
+            <a:r>
+              <a:rPr lang="en-GB" sz="1400" b="1" i="0" dirty="0">
+                <a:solidFill>
+                  <a:srgbClr val="111111"/>
+                </a:solidFill>
+                <a:effectLst/>
+                <a:highlight>
+                  <a:srgbClr val="F7F7F7"/>
+                </a:highlight>
+                <a:latin typeface="-apple-system"/>
+              </a:rPr>
+              <a:t>Waterfall Model</a:t>
+            </a:r>
+            <a:endParaRPr lang="en-GB" sz="1400" b="0" i="0" dirty="0">
+              <a:solidFill>
+                <a:srgbClr val="111111"/>
+              </a:solidFill>
+              <a:effectLst/>
+              <a:highlight>
+                <a:srgbClr val="F7F7F7"/>
+              </a:highlight>
+              <a:latin typeface="-apple-system"/>
+            </a:endParaRPr>
+          </a:p>
+          <a:p>
+            <a:pPr lvl="1"/>
+            <a:r>
+              <a:rPr lang="en-GB" sz="1400" b="1" i="0" dirty="0">
+                <a:solidFill>
+                  <a:srgbClr val="111111"/>
+                </a:solidFill>
+                <a:effectLst/>
+                <a:highlight>
+                  <a:srgbClr val="F7F7F7"/>
+                </a:highlight>
+                <a:latin typeface="-apple-system"/>
+              </a:rPr>
+              <a:t>Stages</a:t>
+            </a:r>
+            <a:r>
+              <a:rPr lang="en-GB" sz="1400" b="0" i="0" dirty="0">
+                <a:solidFill>
+                  <a:srgbClr val="111111"/>
+                </a:solidFill>
+                <a:effectLst/>
+                <a:highlight>
+                  <a:srgbClr val="F7F7F7"/>
+                </a:highlight>
+                <a:latin typeface="-apple-system"/>
+              </a:rPr>
+              <a:t>: Requirements, Design, Development, Testing, Deployment, Maintenance.</a:t>
+            </a:r>
+          </a:p>
+          <a:p>
+            <a:pPr lvl="1"/>
+            <a:r>
+              <a:rPr lang="en-GB" sz="1400" b="1" i="0" dirty="0">
+                <a:solidFill>
+                  <a:srgbClr val="111111"/>
+                </a:solidFill>
+                <a:effectLst/>
+                <a:highlight>
+                  <a:srgbClr val="F7F7F7"/>
+                </a:highlight>
+                <a:latin typeface="-apple-system"/>
+              </a:rPr>
+              <a:t>Advantages</a:t>
+            </a:r>
+            <a:r>
+              <a:rPr lang="en-GB" sz="1400" b="0" i="0" dirty="0">
+                <a:solidFill>
+                  <a:srgbClr val="111111"/>
+                </a:solidFill>
+                <a:effectLst/>
+                <a:highlight>
+                  <a:srgbClr val="F7F7F7"/>
+                </a:highlight>
+                <a:latin typeface="-apple-system"/>
+              </a:rPr>
+              <a:t>: Simple, easy to understand, good for small requirements, and works well when quality is more important than cost or schedule.</a:t>
+            </a:r>
+          </a:p>
+          <a:p>
+            <a:pPr lvl="1"/>
+            <a:r>
+              <a:rPr lang="en-GB" sz="1400" b="1" i="0" dirty="0">
+                <a:solidFill>
+                  <a:srgbClr val="111111"/>
+                </a:solidFill>
+                <a:effectLst/>
+                <a:highlight>
+                  <a:srgbClr val="F7F7F7"/>
+                </a:highlight>
+                <a:latin typeface="-apple-system"/>
+              </a:rPr>
+              <a:t>Disadvantages</a:t>
+            </a:r>
+            <a:r>
+              <a:rPr lang="en-GB" sz="1400" b="0" i="0" dirty="0">
+                <a:solidFill>
+                  <a:srgbClr val="111111"/>
+                </a:solidFill>
+                <a:effectLst/>
+                <a:highlight>
+                  <a:srgbClr val="F7F7F7"/>
+                </a:highlight>
+                <a:latin typeface="-apple-system"/>
+              </a:rPr>
+              <a:t>: Cannot go back to previous stages, customers see the product only at launch, no demos involved.</a:t>
+            </a:r>
+          </a:p>
+          <a:p>
+            <a:pPr algn="l"/>
+            <a:r>
+              <a:rPr lang="en-GB" sz="1400" b="1" i="0" dirty="0">
+                <a:solidFill>
+                  <a:srgbClr val="111111"/>
+                </a:solidFill>
+                <a:effectLst/>
+                <a:highlight>
+                  <a:srgbClr val="F7F7F7"/>
+                </a:highlight>
+                <a:latin typeface="-apple-system"/>
+              </a:rPr>
+              <a:t>When to Use the Waterfall Model?</a:t>
+            </a:r>
+            <a:endParaRPr lang="en-GB" sz="1400" b="0" i="0" dirty="0">
+              <a:solidFill>
+                <a:srgbClr val="111111"/>
+              </a:solidFill>
+              <a:effectLst/>
+              <a:highlight>
+                <a:srgbClr val="F7F7F7"/>
+              </a:highlight>
+              <a:latin typeface="-apple-system"/>
+            </a:endParaRPr>
+          </a:p>
+          <a:p>
+            <a:pPr lvl="1"/>
+            <a:r>
+              <a:rPr lang="en-GB" sz="1400" b="0" i="0" dirty="0">
+                <a:solidFill>
+                  <a:srgbClr val="111111"/>
+                </a:solidFill>
+                <a:effectLst/>
+                <a:highlight>
+                  <a:srgbClr val="F7F7F7"/>
+                </a:highlight>
+                <a:latin typeface="-apple-system"/>
+              </a:rPr>
+              <a:t>Requirements are well-known.</a:t>
+            </a:r>
+          </a:p>
+          <a:p>
+            <a:pPr lvl="1"/>
+            <a:r>
+              <a:rPr lang="en-GB" sz="1400" b="0" i="0" dirty="0">
+                <a:solidFill>
+                  <a:srgbClr val="111111"/>
+                </a:solidFill>
+                <a:effectLst/>
+                <a:highlight>
+                  <a:srgbClr val="F7F7F7"/>
+                </a:highlight>
+                <a:latin typeface="-apple-system"/>
+              </a:rPr>
+              <a:t>Product definition is stable.</a:t>
+            </a:r>
+          </a:p>
+          <a:p>
+            <a:pPr lvl="1"/>
+            <a:r>
+              <a:rPr lang="en-GB" sz="1400" b="0" i="0" dirty="0">
+                <a:solidFill>
+                  <a:srgbClr val="111111"/>
+                </a:solidFill>
+                <a:effectLst/>
+                <a:highlight>
+                  <a:srgbClr val="F7F7F7"/>
+                </a:highlight>
+                <a:latin typeface="-apple-system"/>
+              </a:rPr>
+              <a:t>Technology is understood.</a:t>
+            </a:r>
+          </a:p>
+          <a:p>
+            <a:pPr lvl="1"/>
+            <a:r>
+              <a:rPr lang="en-GB" sz="1400" b="0" i="0" dirty="0">
+                <a:solidFill>
+                  <a:srgbClr val="111111"/>
+                </a:solidFill>
+                <a:effectLst/>
+                <a:highlight>
+                  <a:srgbClr val="F7F7F7"/>
+                </a:highlight>
+                <a:latin typeface="-apple-system"/>
+              </a:rPr>
+              <a:t>Developing a new version of an existing product.</a:t>
+            </a:r>
+          </a:p>
+          <a:p>
+            <a:pPr lvl="1"/>
+            <a:r>
+              <a:rPr lang="en-GB" sz="1400" b="0" i="0" dirty="0">
+                <a:solidFill>
+                  <a:srgbClr val="111111"/>
+                </a:solidFill>
+                <a:effectLst/>
+                <a:highlight>
+                  <a:srgbClr val="F7F7F7"/>
+                </a:highlight>
+                <a:latin typeface="-apple-system"/>
+              </a:rPr>
+              <a:t>Porting an existing product to a new platform.</a:t>
+            </a:r>
+          </a:p>
+          <a:p>
+            <a:pPr algn="l"/>
+            <a:r>
+              <a:rPr lang="en-GB" sz="1400" b="1" i="0" dirty="0">
+                <a:solidFill>
+                  <a:srgbClr val="111111"/>
+                </a:solidFill>
+                <a:effectLst/>
+                <a:highlight>
+                  <a:srgbClr val="F7F7F7"/>
+                </a:highlight>
+                <a:latin typeface="-apple-system"/>
+              </a:rPr>
+              <a:t>Agile Methods</a:t>
+            </a:r>
+            <a:endParaRPr lang="en-GB" sz="1400" b="0" i="0" dirty="0">
+              <a:solidFill>
+                <a:srgbClr val="111111"/>
+              </a:solidFill>
+              <a:effectLst/>
+              <a:highlight>
+                <a:srgbClr val="F7F7F7"/>
+              </a:highlight>
+              <a:latin typeface="-apple-system"/>
+            </a:endParaRPr>
+          </a:p>
+          <a:p>
+            <a:pPr lvl="1"/>
+            <a:r>
+              <a:rPr lang="en-GB" sz="1400" b="1" i="0" dirty="0">
+                <a:solidFill>
+                  <a:srgbClr val="111111"/>
+                </a:solidFill>
+                <a:effectLst/>
+                <a:highlight>
+                  <a:srgbClr val="F7F7F7"/>
+                </a:highlight>
+                <a:latin typeface="-apple-system"/>
+              </a:rPr>
+              <a:t>Examples</a:t>
+            </a:r>
+            <a:r>
+              <a:rPr lang="en-GB" sz="1400" b="0" i="0" dirty="0">
+                <a:solidFill>
+                  <a:srgbClr val="111111"/>
+                </a:solidFill>
+                <a:effectLst/>
+                <a:highlight>
+                  <a:srgbClr val="F7F7F7"/>
+                </a:highlight>
+                <a:latin typeface="-apple-system"/>
+              </a:rPr>
+              <a:t>: Adaptive Software Development, Feature Driven Development, Scrum, Extreme Programming, Kanban.</a:t>
+            </a:r>
+            <a:endParaRPr lang="en-GB" sz="1400" dirty="0">
+              <a:solidFill>
+                <a:srgbClr val="111111"/>
+              </a:solidFill>
+              <a:highlight>
+                <a:srgbClr val="F7F7F7"/>
+              </a:highlight>
+              <a:latin typeface="-apple-system"/>
+            </a:endParaRPr>
+          </a:p>
+          <a:p>
+            <a:pPr algn="l"/>
+            <a:r>
+              <a:rPr lang="en-GB" sz="1400" b="1" i="0" dirty="0">
+                <a:solidFill>
+                  <a:srgbClr val="111111"/>
+                </a:solidFill>
+                <a:effectLst/>
+                <a:highlight>
+                  <a:srgbClr val="F7F7F7"/>
+                </a:highlight>
+                <a:latin typeface="-apple-system"/>
+              </a:rPr>
+              <a:t>Benefits of Scrum</a:t>
+            </a:r>
+            <a:endParaRPr lang="en-GB" sz="1400" b="0" i="0" dirty="0">
+              <a:solidFill>
+                <a:srgbClr val="111111"/>
+              </a:solidFill>
+              <a:effectLst/>
+              <a:highlight>
+                <a:srgbClr val="F7F7F7"/>
+              </a:highlight>
+              <a:latin typeface="-apple-system"/>
+            </a:endParaRPr>
+          </a:p>
+          <a:p>
+            <a:pPr lvl="1"/>
+            <a:r>
+              <a:rPr lang="en-GB" sz="1400" b="0" i="0" dirty="0">
+                <a:solidFill>
+                  <a:srgbClr val="111111"/>
+                </a:solidFill>
+                <a:effectLst/>
+                <a:highlight>
+                  <a:srgbClr val="F7F7F7"/>
+                </a:highlight>
+                <a:latin typeface="-apple-system"/>
+              </a:rPr>
+              <a:t>Adaptability, continuous improvement, sustainable pace, motivation, faster problem resolution, customer-centric, high velocity, efficient development process.</a:t>
+            </a:r>
+          </a:p>
+          <a:p>
+            <a:pPr lvl="2"/>
+            <a:endParaRPr lang="en-GB" sz="1400" b="0" i="0" dirty="0">
+              <a:solidFill>
+                <a:srgbClr val="111111"/>
+              </a:solidFill>
+              <a:effectLst/>
+              <a:highlight>
+                <a:srgbClr val="F7F7F7"/>
+              </a:highlight>
+              <a:latin typeface="-apple-system"/>
+            </a:endParaRPr>
           </a:p>
         </p:txBody>
       </p:sp>
@@ -10420,6 +11527,1629 @@
 </file>
 
 <file path=ppt/slides/slide6.xml><?xml version="1.0" encoding="utf-8"?>
+<p:sld xmlns:a="http://schemas.openxmlformats.org/drawingml/2006/main" xmlns:r="http://schemas.openxmlformats.org/officeDocument/2006/relationships" xmlns:p="http://schemas.openxmlformats.org/presentationml/2006/main">
+  <p:cSld>
+    <p:spTree>
+      <p:nvGrpSpPr>
+        <p:cNvPr id="1" name=""/>
+        <p:cNvGrpSpPr/>
+        <p:nvPr/>
+      </p:nvGrpSpPr>
+      <p:grpSpPr>
+        <a:xfrm>
+          <a:off x="0" y="0"/>
+          <a:ext cx="0" cy="0"/>
+          <a:chOff x="0" y="0"/>
+          <a:chExt cx="0" cy="0"/>
+        </a:xfrm>
+      </p:grpSpPr>
+      <p:graphicFrame>
+        <p:nvGraphicFramePr>
+          <p:cNvPr id="7" name="think-cell data - do not delete" hidden="1">
+            <a:extLst>
+              <a:ext uri="{FF2B5EF4-FFF2-40B4-BE49-F238E27FC236}">
+                <a16:creationId xmlns:a16="http://schemas.microsoft.com/office/drawing/2014/main" id="{3583FF9E-539E-FE29-E73B-3EF7E093601C}"/>
+              </a:ext>
+            </a:extLst>
+          </p:cNvPr>
+          <p:cNvGraphicFramePr>
+            <a:graphicFrameLocks noChangeAspect="1"/>
+          </p:cNvGraphicFramePr>
+          <p:nvPr>
+            <p:custDataLst>
+              <p:tags r:id="rId1"/>
+            </p:custDataLst>
+          </p:nvPr>
+        </p:nvGraphicFramePr>
+        <p:xfrm>
+          <a:off x="1588" y="1588"/>
+          <a:ext cx="1588" cy="1588"/>
+        </p:xfrm>
+        <a:graphic>
+          <a:graphicData uri="http://schemas.openxmlformats.org/presentationml/2006/ole">
+            <mc:AlternateContent xmlns:mc="http://schemas.openxmlformats.org/markup-compatibility/2006">
+              <mc:Choice xmlns:v="urn:schemas-microsoft-com:vml" Requires="v">
+                <p:oleObj name="think-cell Slide" r:id="rId3" imgW="395" imgH="394" progId="TCLayout.ActiveDocument.1">
+                  <p:embed/>
+                </p:oleObj>
+              </mc:Choice>
+              <mc:Fallback>
+                <p:oleObj name="think-cell Slide" r:id="rId3" imgW="395" imgH="394" progId="TCLayout.ActiveDocument.1">
+                  <p:embed/>
+                  <p:pic>
+                    <p:nvPicPr>
+                      <p:cNvPr id="7" name="think-cell data - do not delete" hidden="1">
+                        <a:extLst>
+                          <a:ext uri="{FF2B5EF4-FFF2-40B4-BE49-F238E27FC236}">
+                            <a16:creationId xmlns:a16="http://schemas.microsoft.com/office/drawing/2014/main" id="{3583FF9E-539E-FE29-E73B-3EF7E093601C}"/>
+                          </a:ext>
+                        </a:extLst>
+                      </p:cNvPr>
+                      <p:cNvPicPr/>
+                      <p:nvPr/>
+                    </p:nvPicPr>
+                    <p:blipFill>
+                      <a:blip r:embed="rId4"/>
+                      <a:stretch>
+                        <a:fillRect/>
+                      </a:stretch>
+                    </p:blipFill>
+                    <p:spPr>
+                      <a:xfrm>
+                        <a:off x="1588" y="1588"/>
+                        <a:ext cx="1588" cy="1588"/>
+                      </a:xfrm>
+                      <a:prstGeom prst="rect">
+                        <a:avLst/>
+                      </a:prstGeom>
+                    </p:spPr>
+                  </p:pic>
+                </p:oleObj>
+              </mc:Fallback>
+            </mc:AlternateContent>
+          </a:graphicData>
+        </a:graphic>
+      </p:graphicFrame>
+      <p:sp>
+        <p:nvSpPr>
+          <p:cNvPr id="10" name="Rectangle 9">
+            <a:extLst>
+              <a:ext uri="{FF2B5EF4-FFF2-40B4-BE49-F238E27FC236}">
+                <a16:creationId xmlns:a16="http://schemas.microsoft.com/office/drawing/2014/main" id="{8686D658-9330-BA20-4BC9-1E47EEC5B53D}"/>
+              </a:ext>
+            </a:extLst>
+          </p:cNvPr>
+          <p:cNvSpPr/>
+          <p:nvPr/>
+        </p:nvSpPr>
+        <p:spPr>
+          <a:xfrm>
+            <a:off x="10861040" y="0"/>
+            <a:ext cx="1330960" cy="1463040"/>
+          </a:xfrm>
+          <a:prstGeom prst="rect">
+            <a:avLst/>
+          </a:prstGeom>
+          <a:solidFill>
+            <a:srgbClr val="C00000"/>
+          </a:solidFill>
+          <a:ln>
+            <a:noFill/>
+          </a:ln>
+        </p:spPr>
+        <p:style>
+          <a:lnRef idx="2">
+            <a:schemeClr val="accent1">
+              <a:shade val="15000"/>
+            </a:schemeClr>
+          </a:lnRef>
+          <a:fillRef idx="1">
+            <a:schemeClr val="accent1"/>
+          </a:fillRef>
+          <a:effectRef idx="0">
+            <a:schemeClr val="accent1"/>
+          </a:effectRef>
+          <a:fontRef idx="minor">
+            <a:schemeClr val="lt1"/>
+          </a:fontRef>
+        </p:style>
+        <p:txBody>
+          <a:bodyPr rtlCol="0" anchor="ctr"/>
+          <a:lstStyle/>
+          <a:p>
+            <a:pPr algn="ctr"/>
+            <a:endParaRPr lang="en-IN"/>
+          </a:p>
+        </p:txBody>
+      </p:sp>
+      <p:sp>
+        <p:nvSpPr>
+          <p:cNvPr id="3" name="Title 2">
+            <a:extLst>
+              <a:ext uri="{FF2B5EF4-FFF2-40B4-BE49-F238E27FC236}">
+                <a16:creationId xmlns:a16="http://schemas.microsoft.com/office/drawing/2014/main" id="{CEA128C4-A0BC-A895-713C-306E7FF62894}"/>
+              </a:ext>
+            </a:extLst>
+          </p:cNvPr>
+          <p:cNvSpPr>
+            <a:spLocks noGrp="1"/>
+          </p:cNvSpPr>
+          <p:nvPr>
+            <p:ph type="title"/>
+          </p:nvPr>
+        </p:nvSpPr>
+        <p:spPr/>
+        <p:txBody>
+          <a:bodyPr vert="horz" anchor="ctr">
+            <a:noAutofit/>
+          </a:bodyPr>
+          <a:lstStyle/>
+          <a:p>
+            <a:r>
+              <a:rPr lang="en-US" b="1" dirty="0">
+                <a:effectLst>
+                  <a:outerShdw blurRad="38100" dist="38100" dir="2700000" algn="tl">
+                    <a:srgbClr val="000000">
+                      <a:alpha val="43137"/>
+                    </a:srgbClr>
+                  </a:outerShdw>
+                </a:effectLst>
+                <a:latin typeface="+mn-lt"/>
+                <a:cs typeface="+mj-cs"/>
+              </a:rPr>
+              <a:t>Learning 4 | My takeaways</a:t>
+            </a:r>
+            <a:endParaRPr lang="en-IN" sz="4000" i="1" u="sng" dirty="0">
+              <a:effectLst>
+                <a:outerShdw blurRad="38100" dist="38100" dir="2700000" algn="tl">
+                  <a:srgbClr val="000000">
+                    <a:alpha val="43137"/>
+                  </a:srgbClr>
+                </a:outerShdw>
+              </a:effectLst>
+              <a:highlight>
+                <a:srgbClr val="FF6600"/>
+              </a:highlight>
+            </a:endParaRPr>
+          </a:p>
+        </p:txBody>
+      </p:sp>
+      <p:sp>
+        <p:nvSpPr>
+          <p:cNvPr id="4" name="Slide Number Placeholder 3">
+            <a:extLst>
+              <a:ext uri="{FF2B5EF4-FFF2-40B4-BE49-F238E27FC236}">
+                <a16:creationId xmlns:a16="http://schemas.microsoft.com/office/drawing/2014/main" id="{82193751-E94F-32C7-DCCA-7D3244D279EA}"/>
+              </a:ext>
+            </a:extLst>
+          </p:cNvPr>
+          <p:cNvSpPr>
+            <a:spLocks noGrp="1"/>
+          </p:cNvSpPr>
+          <p:nvPr>
+            <p:ph type="sldNum" sz="quarter" idx="15"/>
+          </p:nvPr>
+        </p:nvSpPr>
+        <p:spPr/>
+        <p:txBody>
+          <a:bodyPr/>
+          <a:lstStyle/>
+          <a:p>
+            <a:fld id="{0879F475-59B1-4993-848A-C2B683DE9AF5}" type="slidenum">
+              <a:rPr lang="en-IN" smtClean="0"/>
+              <a:pPr/>
+              <a:t>6</a:t>
+            </a:fld>
+            <a:endParaRPr lang="en-IN" dirty="0"/>
+          </a:p>
+        </p:txBody>
+      </p:sp>
+      <p:pic>
+        <p:nvPicPr>
+          <p:cNvPr id="9" name="Graphic 8" descr="Idea outline">
+            <a:extLst>
+              <a:ext uri="{FF2B5EF4-FFF2-40B4-BE49-F238E27FC236}">
+                <a16:creationId xmlns:a16="http://schemas.microsoft.com/office/drawing/2014/main" id="{8701F636-0E69-F494-2D36-9D9665F8A8DA}"/>
+              </a:ext>
+            </a:extLst>
+          </p:cNvPr>
+          <p:cNvPicPr>
+            <a:picLocks noChangeAspect="1"/>
+          </p:cNvPicPr>
+          <p:nvPr/>
+        </p:nvPicPr>
+        <p:blipFill>
+          <a:blip r:embed="rId5">
+            <a:extLst>
+              <a:ext uri="{96DAC541-7B7A-43D3-8B79-37D633B846F1}">
+                <asvg:svgBlip xmlns:asvg="http://schemas.microsoft.com/office/drawing/2016/SVG/main" r:embed="rId6"/>
+              </a:ext>
+            </a:extLst>
+          </a:blip>
+          <a:stretch>
+            <a:fillRect/>
+          </a:stretch>
+        </p:blipFill>
+        <p:spPr>
+          <a:xfrm>
+            <a:off x="10957498" y="141532"/>
+            <a:ext cx="1159454" cy="1159454"/>
+          </a:xfrm>
+          <a:prstGeom prst="rect">
+            <a:avLst/>
+          </a:prstGeom>
+        </p:spPr>
+      </p:pic>
+      <p:sp>
+        <p:nvSpPr>
+          <p:cNvPr id="2" name="Content Placeholder 2">
+            <a:extLst>
+              <a:ext uri="{FF2B5EF4-FFF2-40B4-BE49-F238E27FC236}">
+                <a16:creationId xmlns:a16="http://schemas.microsoft.com/office/drawing/2014/main" id="{96E4DBA5-C01A-000F-7E6C-FF577F4111D1}"/>
+              </a:ext>
+            </a:extLst>
+          </p:cNvPr>
+          <p:cNvSpPr txBox="1">
+            <a:spLocks/>
+          </p:cNvSpPr>
+          <p:nvPr/>
+        </p:nvSpPr>
+        <p:spPr>
+          <a:xfrm>
+            <a:off x="433726" y="1860993"/>
+            <a:ext cx="11309311" cy="4076241"/>
+          </a:xfrm>
+          <a:prstGeom prst="rect">
+            <a:avLst/>
+          </a:prstGeom>
+          <a:solidFill>
+            <a:schemeClr val="bg1"/>
+          </a:solidFill>
+          <a:ln>
+            <a:noFill/>
+          </a:ln>
+          <a:effectLst>
+            <a:outerShdw blurRad="63500" sx="102000" sy="102000" algn="ctr" rotWithShape="0">
+              <a:prstClr val="black">
+                <a:alpha val="40000"/>
+              </a:prstClr>
+            </a:outerShdw>
+          </a:effectLst>
+        </p:spPr>
+        <p:txBody>
+          <a:bodyPr/>
+          <a:lstStyle>
+            <a:lvl1pPr marL="228600" indent="-228600" algn="l" defTabSz="914400" rtl="0" eaLnBrk="1" latinLnBrk="0" hangingPunct="1">
+              <a:lnSpc>
+                <a:spcPct val="90000"/>
+              </a:lnSpc>
+              <a:spcBef>
+                <a:spcPts val="1000"/>
+              </a:spcBef>
+              <a:buFont typeface="Arial" panose="020B0604020202020204" pitchFamily="34" charset="0"/>
+              <a:buChar char="•"/>
+              <a:defRPr sz="1600" kern="1200">
+                <a:solidFill>
+                  <a:schemeClr val="tx1"/>
+                </a:solidFill>
+                <a:latin typeface="+mn-lt"/>
+                <a:ea typeface="+mn-ea"/>
+                <a:cs typeface="+mn-cs"/>
+              </a:defRPr>
+            </a:lvl1pPr>
+            <a:lvl2pPr marL="685800" indent="-228600" algn="l" defTabSz="914400" rtl="0" eaLnBrk="1" latinLnBrk="0" hangingPunct="1">
+              <a:lnSpc>
+                <a:spcPct val="90000"/>
+              </a:lnSpc>
+              <a:spcBef>
+                <a:spcPts val="500"/>
+              </a:spcBef>
+              <a:buFont typeface="Arial" panose="020B0604020202020204" pitchFamily="34" charset="0"/>
+              <a:buChar char="•"/>
+              <a:defRPr sz="1600" kern="1200">
+                <a:solidFill>
+                  <a:schemeClr val="tx1"/>
+                </a:solidFill>
+                <a:latin typeface="+mn-lt"/>
+                <a:ea typeface="+mn-ea"/>
+                <a:cs typeface="+mn-cs"/>
+              </a:defRPr>
+            </a:lvl2pPr>
+            <a:lvl3pPr marL="1143000" indent="-228600" algn="l" defTabSz="914400" rtl="0" eaLnBrk="1" latinLnBrk="0" hangingPunct="1">
+              <a:lnSpc>
+                <a:spcPct val="90000"/>
+              </a:lnSpc>
+              <a:spcBef>
+                <a:spcPts val="500"/>
+              </a:spcBef>
+              <a:buFont typeface="Arial" panose="020B0604020202020204" pitchFamily="34" charset="0"/>
+              <a:buChar char="•"/>
+              <a:defRPr sz="1600" kern="1200">
+                <a:solidFill>
+                  <a:schemeClr val="tx1"/>
+                </a:solidFill>
+                <a:latin typeface="+mn-lt"/>
+                <a:ea typeface="+mn-ea"/>
+                <a:cs typeface="+mn-cs"/>
+              </a:defRPr>
+            </a:lvl3pPr>
+            <a:lvl4pPr marL="1600200" indent="-228600" algn="l" defTabSz="914400" rtl="0" eaLnBrk="1" latinLnBrk="0" hangingPunct="1">
+              <a:lnSpc>
+                <a:spcPct val="90000"/>
+              </a:lnSpc>
+              <a:spcBef>
+                <a:spcPts val="500"/>
+              </a:spcBef>
+              <a:buFont typeface="Arial" panose="020B0604020202020204" pitchFamily="34" charset="0"/>
+              <a:buChar char="•"/>
+              <a:defRPr sz="1600" kern="1200">
+                <a:solidFill>
+                  <a:schemeClr val="tx1"/>
+                </a:solidFill>
+                <a:latin typeface="+mn-lt"/>
+                <a:ea typeface="+mn-ea"/>
+                <a:cs typeface="+mn-cs"/>
+              </a:defRPr>
+            </a:lvl4pPr>
+            <a:lvl5pPr marL="2057400" indent="-228600" algn="l" defTabSz="914400" rtl="0" eaLnBrk="1" latinLnBrk="0" hangingPunct="1">
+              <a:lnSpc>
+                <a:spcPct val="90000"/>
+              </a:lnSpc>
+              <a:spcBef>
+                <a:spcPts val="500"/>
+              </a:spcBef>
+              <a:buFont typeface="Arial" panose="020B0604020202020204" pitchFamily="34" charset="0"/>
+              <a:buChar char="•"/>
+              <a:defRPr sz="1600" kern="1200">
+                <a:solidFill>
+                  <a:schemeClr val="tx1"/>
+                </a:solidFill>
+                <a:latin typeface="+mn-lt"/>
+                <a:ea typeface="+mn-ea"/>
+                <a:cs typeface="+mn-cs"/>
+              </a:defRPr>
+            </a:lvl5pPr>
+            <a:lvl6pPr marL="2514600" indent="-228600" algn="l" defTabSz="914400" rtl="0" eaLnBrk="1" latinLnBrk="0" hangingPunct="1">
+              <a:lnSpc>
+                <a:spcPct val="90000"/>
+              </a:lnSpc>
+              <a:spcBef>
+                <a:spcPts val="500"/>
+              </a:spcBef>
+              <a:buFont typeface="Arial" panose="020B0604020202020204" pitchFamily="34" charset="0"/>
+              <a:buChar char="•"/>
+              <a:defRPr sz="1800" kern="1200">
+                <a:solidFill>
+                  <a:schemeClr val="tx1"/>
+                </a:solidFill>
+                <a:latin typeface="+mn-lt"/>
+                <a:ea typeface="+mn-ea"/>
+                <a:cs typeface="+mn-cs"/>
+              </a:defRPr>
+            </a:lvl6pPr>
+            <a:lvl7pPr marL="2971800" indent="-228600" algn="l" defTabSz="914400" rtl="0" eaLnBrk="1" latinLnBrk="0" hangingPunct="1">
+              <a:lnSpc>
+                <a:spcPct val="90000"/>
+              </a:lnSpc>
+              <a:spcBef>
+                <a:spcPts val="500"/>
+              </a:spcBef>
+              <a:buFont typeface="Arial" panose="020B0604020202020204" pitchFamily="34" charset="0"/>
+              <a:buChar char="•"/>
+              <a:defRPr sz="1800" kern="1200">
+                <a:solidFill>
+                  <a:schemeClr val="tx1"/>
+                </a:solidFill>
+                <a:latin typeface="+mn-lt"/>
+                <a:ea typeface="+mn-ea"/>
+                <a:cs typeface="+mn-cs"/>
+              </a:defRPr>
+            </a:lvl7pPr>
+            <a:lvl8pPr marL="3429000" indent="-228600" algn="l" defTabSz="914400" rtl="0" eaLnBrk="1" latinLnBrk="0" hangingPunct="1">
+              <a:lnSpc>
+                <a:spcPct val="90000"/>
+              </a:lnSpc>
+              <a:spcBef>
+                <a:spcPts val="500"/>
+              </a:spcBef>
+              <a:buFont typeface="Arial" panose="020B0604020202020204" pitchFamily="34" charset="0"/>
+              <a:buChar char="•"/>
+              <a:defRPr sz="1800" kern="1200">
+                <a:solidFill>
+                  <a:schemeClr val="tx1"/>
+                </a:solidFill>
+                <a:latin typeface="+mn-lt"/>
+                <a:ea typeface="+mn-ea"/>
+                <a:cs typeface="+mn-cs"/>
+              </a:defRPr>
+            </a:lvl8pPr>
+            <a:lvl9pPr marL="3886200" indent="-228600" algn="l" defTabSz="914400" rtl="0" eaLnBrk="1" latinLnBrk="0" hangingPunct="1">
+              <a:lnSpc>
+                <a:spcPct val="90000"/>
+              </a:lnSpc>
+              <a:spcBef>
+                <a:spcPts val="500"/>
+              </a:spcBef>
+              <a:buFont typeface="Arial" panose="020B0604020202020204" pitchFamily="34" charset="0"/>
+              <a:buChar char="•"/>
+              <a:defRPr sz="1800" kern="1200">
+                <a:solidFill>
+                  <a:schemeClr val="tx1"/>
+                </a:solidFill>
+                <a:latin typeface="+mn-lt"/>
+                <a:ea typeface="+mn-ea"/>
+                <a:cs typeface="+mn-cs"/>
+              </a:defRPr>
+            </a:lvl9pPr>
+          </a:lstStyle>
+          <a:p>
+            <a:pPr algn="l"/>
+            <a:r>
+              <a:rPr lang="en-GB" sz="1400" b="1" i="0" dirty="0">
+                <a:solidFill>
+                  <a:srgbClr val="111111"/>
+                </a:solidFill>
+                <a:effectLst/>
+                <a:highlight>
+                  <a:srgbClr val="F7F7F7"/>
+                </a:highlight>
+                <a:latin typeface="-apple-system"/>
+              </a:rPr>
+              <a:t>Scrum Flow</a:t>
+            </a:r>
+            <a:endParaRPr lang="en-GB" sz="1400" b="0" i="0" dirty="0">
+              <a:solidFill>
+                <a:srgbClr val="111111"/>
+              </a:solidFill>
+              <a:effectLst/>
+              <a:highlight>
+                <a:srgbClr val="F7F7F7"/>
+              </a:highlight>
+              <a:latin typeface="-apple-system"/>
+            </a:endParaRPr>
+          </a:p>
+          <a:p>
+            <a:pPr algn="l">
+              <a:buFont typeface="Arial" panose="020B0604020202020204" pitchFamily="34" charset="0"/>
+              <a:buChar char="•"/>
+            </a:pPr>
+            <a:r>
+              <a:rPr lang="en-GB" sz="1400" b="1" i="0" dirty="0">
+                <a:solidFill>
+                  <a:srgbClr val="111111"/>
+                </a:solidFill>
+                <a:effectLst/>
+                <a:highlight>
+                  <a:srgbClr val="F7F7F7"/>
+                </a:highlight>
+                <a:latin typeface="-apple-system"/>
+              </a:rPr>
+              <a:t>Sprint</a:t>
+            </a:r>
+            <a:r>
+              <a:rPr lang="en-GB" sz="1400" b="0" i="0" dirty="0">
+                <a:solidFill>
+                  <a:srgbClr val="111111"/>
+                </a:solidFill>
+                <a:effectLst/>
+                <a:highlight>
+                  <a:srgbClr val="F7F7F7"/>
+                </a:highlight>
+                <a:latin typeface="-apple-system"/>
+              </a:rPr>
+              <a:t>: A 2-4 week period to accomplish a goal.</a:t>
+            </a:r>
+          </a:p>
+          <a:p>
+            <a:pPr algn="l">
+              <a:buFont typeface="Arial" panose="020B0604020202020204" pitchFamily="34" charset="0"/>
+              <a:buChar char="•"/>
+            </a:pPr>
+            <a:r>
+              <a:rPr lang="en-GB" sz="1400" b="1" i="0" dirty="0">
+                <a:solidFill>
+                  <a:srgbClr val="111111"/>
+                </a:solidFill>
+                <a:effectLst/>
+                <a:highlight>
+                  <a:srgbClr val="F7F7F7"/>
+                </a:highlight>
+                <a:latin typeface="-apple-system"/>
+              </a:rPr>
+              <a:t>Roles</a:t>
+            </a:r>
+            <a:r>
+              <a:rPr lang="en-GB" sz="1400" b="0" i="0" dirty="0">
+                <a:solidFill>
+                  <a:srgbClr val="111111"/>
+                </a:solidFill>
+                <a:effectLst/>
+                <a:highlight>
+                  <a:srgbClr val="F7F7F7"/>
+                </a:highlight>
+                <a:latin typeface="-apple-system"/>
+              </a:rPr>
+              <a:t>:</a:t>
+            </a:r>
+          </a:p>
+          <a:p>
+            <a:pPr marL="742950" lvl="1" indent="-285750" algn="l">
+              <a:buFont typeface="Arial" panose="020B0604020202020204" pitchFamily="34" charset="0"/>
+              <a:buChar char="•"/>
+            </a:pPr>
+            <a:r>
+              <a:rPr lang="en-GB" sz="1400" b="0" i="0" dirty="0">
+                <a:solidFill>
+                  <a:srgbClr val="111111"/>
+                </a:solidFill>
+                <a:effectLst/>
+                <a:highlight>
+                  <a:srgbClr val="F7F7F7"/>
+                </a:highlight>
+                <a:latin typeface="-apple-system"/>
+              </a:rPr>
+              <a:t>Product Owner</a:t>
+            </a:r>
+          </a:p>
+          <a:p>
+            <a:pPr marL="742950" lvl="1" indent="-285750" algn="l">
+              <a:buFont typeface="Arial" panose="020B0604020202020204" pitchFamily="34" charset="0"/>
+              <a:buChar char="•"/>
+            </a:pPr>
+            <a:r>
+              <a:rPr lang="en-GB" sz="1400" b="0" i="0" dirty="0">
+                <a:solidFill>
+                  <a:srgbClr val="111111"/>
+                </a:solidFill>
+                <a:effectLst/>
+                <a:highlight>
+                  <a:srgbClr val="F7F7F7"/>
+                </a:highlight>
+                <a:latin typeface="-apple-system"/>
+              </a:rPr>
+              <a:t>Scrum Master</a:t>
+            </a:r>
+          </a:p>
+          <a:p>
+            <a:pPr marL="742950" lvl="1" indent="-285750" algn="l">
+              <a:buFont typeface="Arial" panose="020B0604020202020204" pitchFamily="34" charset="0"/>
+              <a:buChar char="•"/>
+            </a:pPr>
+            <a:r>
+              <a:rPr lang="en-GB" sz="1400" b="0" i="0" dirty="0">
+                <a:solidFill>
+                  <a:srgbClr val="111111"/>
+                </a:solidFill>
+                <a:effectLst/>
+                <a:highlight>
+                  <a:srgbClr val="F7F7F7"/>
+                </a:highlight>
+                <a:latin typeface="-apple-system"/>
+              </a:rPr>
+              <a:t>Scrum Team Members</a:t>
+            </a:r>
+          </a:p>
+          <a:p>
+            <a:pPr marL="742950" lvl="1" indent="-285750" algn="l">
+              <a:buFont typeface="Arial" panose="020B0604020202020204" pitchFamily="34" charset="0"/>
+              <a:buChar char="•"/>
+            </a:pPr>
+            <a:r>
+              <a:rPr lang="en-GB" sz="1400" b="0" i="0" dirty="0">
+                <a:solidFill>
+                  <a:srgbClr val="111111"/>
+                </a:solidFill>
+                <a:effectLst/>
+                <a:highlight>
+                  <a:srgbClr val="F7F7F7"/>
+                </a:highlight>
+                <a:latin typeface="-apple-system"/>
+              </a:rPr>
+              <a:t>Stakeholders</a:t>
+            </a:r>
+          </a:p>
+          <a:p>
+            <a:pPr algn="l">
+              <a:buFont typeface="Arial" panose="020B0604020202020204" pitchFamily="34" charset="0"/>
+              <a:buChar char="•"/>
+            </a:pPr>
+            <a:r>
+              <a:rPr lang="en-GB" sz="1400" b="1" i="0" dirty="0">
+                <a:solidFill>
+                  <a:srgbClr val="111111"/>
+                </a:solidFill>
+                <a:effectLst/>
+                <a:highlight>
+                  <a:srgbClr val="F7F7F7"/>
+                </a:highlight>
+                <a:latin typeface="-apple-system"/>
+              </a:rPr>
+              <a:t>Daily Scrum</a:t>
+            </a:r>
+            <a:r>
+              <a:rPr lang="en-GB" sz="1400" b="0" i="0" dirty="0">
+                <a:solidFill>
+                  <a:srgbClr val="111111"/>
+                </a:solidFill>
+                <a:effectLst/>
+                <a:highlight>
+                  <a:srgbClr val="F7F7F7"/>
+                </a:highlight>
+                <a:latin typeface="-apple-system"/>
+              </a:rPr>
+              <a:t>: A 15-minute daily meeting to review progress.</a:t>
+            </a:r>
+          </a:p>
+          <a:p>
+            <a:pPr algn="l">
+              <a:buFont typeface="Arial" panose="020B0604020202020204" pitchFamily="34" charset="0"/>
+              <a:buChar char="•"/>
+            </a:pPr>
+            <a:r>
+              <a:rPr lang="en-GB" sz="1400" b="1" i="0" dirty="0">
+                <a:solidFill>
+                  <a:srgbClr val="111111"/>
+                </a:solidFill>
+                <a:effectLst/>
+                <a:highlight>
+                  <a:srgbClr val="F7F7F7"/>
+                </a:highlight>
+                <a:latin typeface="-apple-system"/>
+              </a:rPr>
+              <a:t>Sprint Retrospective</a:t>
+            </a:r>
+            <a:r>
+              <a:rPr lang="en-GB" sz="1400" b="0" i="0" dirty="0">
+                <a:solidFill>
+                  <a:srgbClr val="111111"/>
+                </a:solidFill>
+                <a:effectLst/>
+                <a:highlight>
+                  <a:srgbClr val="F7F7F7"/>
+                </a:highlight>
+                <a:latin typeface="-apple-system"/>
+              </a:rPr>
+              <a:t>: A meeting at the end of each sprint to review achievements and plan improvements.</a:t>
+            </a:r>
+          </a:p>
+          <a:p>
+            <a:pPr algn="l"/>
+            <a:r>
+              <a:rPr lang="en-GB" sz="1400" b="1" i="0" dirty="0">
+                <a:solidFill>
+                  <a:srgbClr val="111111"/>
+                </a:solidFill>
+                <a:effectLst/>
+                <a:highlight>
+                  <a:srgbClr val="F7F7F7"/>
+                </a:highlight>
+                <a:latin typeface="-apple-system"/>
+              </a:rPr>
+              <a:t>Scrum Events</a:t>
+            </a:r>
+            <a:endParaRPr lang="en-GB" sz="1400" b="0" i="0" dirty="0">
+              <a:solidFill>
+                <a:srgbClr val="111111"/>
+              </a:solidFill>
+              <a:effectLst/>
+              <a:highlight>
+                <a:srgbClr val="F7F7F7"/>
+              </a:highlight>
+              <a:latin typeface="-apple-system"/>
+            </a:endParaRPr>
+          </a:p>
+          <a:p>
+            <a:pPr lvl="1"/>
+            <a:r>
+              <a:rPr lang="en-GB" sz="1400" b="1" i="0" dirty="0">
+                <a:solidFill>
+                  <a:srgbClr val="111111"/>
+                </a:solidFill>
+                <a:effectLst/>
+                <a:highlight>
+                  <a:srgbClr val="F7F7F7"/>
+                </a:highlight>
+                <a:latin typeface="-apple-system"/>
+              </a:rPr>
+              <a:t>Sprint Planning</a:t>
+            </a:r>
+            <a:r>
+              <a:rPr lang="en-GB" sz="1400" b="0" i="0" dirty="0">
+                <a:solidFill>
+                  <a:srgbClr val="111111"/>
+                </a:solidFill>
+                <a:effectLst/>
+                <a:highlight>
+                  <a:srgbClr val="F7F7F7"/>
+                </a:highlight>
+                <a:latin typeface="-apple-system"/>
+              </a:rPr>
+              <a:t>: Deciding what can be delivered within a sprint and what work is needed.</a:t>
+            </a:r>
+          </a:p>
+          <a:p>
+            <a:pPr lvl="1"/>
+            <a:r>
+              <a:rPr lang="en-GB" sz="1400" b="1" i="0" dirty="0">
+                <a:solidFill>
+                  <a:srgbClr val="111111"/>
+                </a:solidFill>
+                <a:effectLst/>
+                <a:highlight>
+                  <a:srgbClr val="F7F7F7"/>
+                </a:highlight>
+                <a:latin typeface="-apple-system"/>
+              </a:rPr>
+              <a:t>Daily Scrum</a:t>
+            </a:r>
+            <a:r>
+              <a:rPr lang="en-GB" sz="1400" b="0" i="0" dirty="0">
+                <a:solidFill>
+                  <a:srgbClr val="111111"/>
+                </a:solidFill>
+                <a:effectLst/>
+                <a:highlight>
+                  <a:srgbClr val="F7F7F7"/>
+                </a:highlight>
+                <a:latin typeface="-apple-system"/>
+              </a:rPr>
+              <a:t>: Reviewing progress toward the sprint goal.</a:t>
+            </a:r>
+          </a:p>
+          <a:p>
+            <a:pPr lvl="1"/>
+            <a:r>
+              <a:rPr lang="en-GB" sz="1400" b="1" i="0" dirty="0">
+                <a:solidFill>
+                  <a:srgbClr val="111111"/>
+                </a:solidFill>
+                <a:effectLst/>
+                <a:highlight>
+                  <a:srgbClr val="F7F7F7"/>
+                </a:highlight>
+                <a:latin typeface="-apple-system"/>
+              </a:rPr>
+              <a:t>Sprint Review</a:t>
+            </a:r>
+            <a:r>
+              <a:rPr lang="en-GB" sz="1400" b="0" i="0" dirty="0">
+                <a:solidFill>
+                  <a:srgbClr val="111111"/>
+                </a:solidFill>
+                <a:effectLst/>
+                <a:highlight>
+                  <a:srgbClr val="F7F7F7"/>
+                </a:highlight>
+                <a:latin typeface="-apple-system"/>
+              </a:rPr>
+              <a:t>: Reviewing achievements at the end of each sprint and adapting the product backlog if needed.</a:t>
+            </a:r>
+          </a:p>
+          <a:p>
+            <a:pPr lvl="1"/>
+            <a:r>
+              <a:rPr lang="en-GB" sz="1400" b="1" i="0" dirty="0">
+                <a:solidFill>
+                  <a:srgbClr val="111111"/>
+                </a:solidFill>
+                <a:effectLst/>
+                <a:highlight>
+                  <a:srgbClr val="F7F7F7"/>
+                </a:highlight>
+                <a:latin typeface="-apple-system"/>
+              </a:rPr>
+              <a:t>Sprint Retrospective</a:t>
+            </a:r>
+            <a:r>
+              <a:rPr lang="en-GB" sz="1400" b="0" i="0" dirty="0">
+                <a:solidFill>
+                  <a:srgbClr val="111111"/>
+                </a:solidFill>
+                <a:effectLst/>
+                <a:highlight>
+                  <a:srgbClr val="F7F7F7"/>
+                </a:highlight>
+                <a:latin typeface="-apple-system"/>
+              </a:rPr>
+              <a:t>: Inspecting the team’s performance and creating a plan for improvements.</a:t>
+            </a:r>
+          </a:p>
+        </p:txBody>
+      </p:sp>
+    </p:spTree>
+    <p:extLst>
+      <p:ext uri="{BB962C8B-B14F-4D97-AF65-F5344CB8AC3E}">
+        <p14:creationId xmlns:p14="http://schemas.microsoft.com/office/powerpoint/2010/main" val="307894596"/>
+      </p:ext>
+    </p:extLst>
+  </p:cSld>
+  <p:clrMapOvr>
+    <a:masterClrMapping/>
+  </p:clrMapOvr>
+</p:sld>
+</file>
+
+<file path=ppt/slides/slide7.xml><?xml version="1.0" encoding="utf-8"?>
+<p:sld xmlns:a="http://schemas.openxmlformats.org/drawingml/2006/main" xmlns:r="http://schemas.openxmlformats.org/officeDocument/2006/relationships" xmlns:p="http://schemas.openxmlformats.org/presentationml/2006/main">
+  <p:cSld>
+    <p:spTree>
+      <p:nvGrpSpPr>
+        <p:cNvPr id="1" name=""/>
+        <p:cNvGrpSpPr/>
+        <p:nvPr/>
+      </p:nvGrpSpPr>
+      <p:grpSpPr>
+        <a:xfrm>
+          <a:off x="0" y="0"/>
+          <a:ext cx="0" cy="0"/>
+          <a:chOff x="0" y="0"/>
+          <a:chExt cx="0" cy="0"/>
+        </a:xfrm>
+      </p:grpSpPr>
+      <p:graphicFrame>
+        <p:nvGraphicFramePr>
+          <p:cNvPr id="7" name="think-cell data - do not delete" hidden="1">
+            <a:extLst>
+              <a:ext uri="{FF2B5EF4-FFF2-40B4-BE49-F238E27FC236}">
+                <a16:creationId xmlns:a16="http://schemas.microsoft.com/office/drawing/2014/main" id="{3583FF9E-539E-FE29-E73B-3EF7E093601C}"/>
+              </a:ext>
+            </a:extLst>
+          </p:cNvPr>
+          <p:cNvGraphicFramePr>
+            <a:graphicFrameLocks noChangeAspect="1"/>
+          </p:cNvGraphicFramePr>
+          <p:nvPr>
+            <p:custDataLst>
+              <p:tags r:id="rId1"/>
+            </p:custDataLst>
+          </p:nvPr>
+        </p:nvGraphicFramePr>
+        <p:xfrm>
+          <a:off x="1588" y="1588"/>
+          <a:ext cx="1588" cy="1588"/>
+        </p:xfrm>
+        <a:graphic>
+          <a:graphicData uri="http://schemas.openxmlformats.org/presentationml/2006/ole">
+            <mc:AlternateContent xmlns:mc="http://schemas.openxmlformats.org/markup-compatibility/2006">
+              <mc:Choice xmlns:v="urn:schemas-microsoft-com:vml" Requires="v">
+                <p:oleObj name="think-cell Slide" r:id="rId3" imgW="395" imgH="394" progId="TCLayout.ActiveDocument.1">
+                  <p:embed/>
+                </p:oleObj>
+              </mc:Choice>
+              <mc:Fallback>
+                <p:oleObj name="think-cell Slide" r:id="rId3" imgW="395" imgH="394" progId="TCLayout.ActiveDocument.1">
+                  <p:embed/>
+                  <p:pic>
+                    <p:nvPicPr>
+                      <p:cNvPr id="7" name="think-cell data - do not delete" hidden="1">
+                        <a:extLst>
+                          <a:ext uri="{FF2B5EF4-FFF2-40B4-BE49-F238E27FC236}">
+                            <a16:creationId xmlns:a16="http://schemas.microsoft.com/office/drawing/2014/main" id="{3583FF9E-539E-FE29-E73B-3EF7E093601C}"/>
+                          </a:ext>
+                        </a:extLst>
+                      </p:cNvPr>
+                      <p:cNvPicPr/>
+                      <p:nvPr/>
+                    </p:nvPicPr>
+                    <p:blipFill>
+                      <a:blip r:embed="rId4"/>
+                      <a:stretch>
+                        <a:fillRect/>
+                      </a:stretch>
+                    </p:blipFill>
+                    <p:spPr>
+                      <a:xfrm>
+                        <a:off x="1588" y="1588"/>
+                        <a:ext cx="1588" cy="1588"/>
+                      </a:xfrm>
+                      <a:prstGeom prst="rect">
+                        <a:avLst/>
+                      </a:prstGeom>
+                    </p:spPr>
+                  </p:pic>
+                </p:oleObj>
+              </mc:Fallback>
+            </mc:AlternateContent>
+          </a:graphicData>
+        </a:graphic>
+      </p:graphicFrame>
+      <p:sp>
+        <p:nvSpPr>
+          <p:cNvPr id="10" name="Rectangle 9">
+            <a:extLst>
+              <a:ext uri="{FF2B5EF4-FFF2-40B4-BE49-F238E27FC236}">
+                <a16:creationId xmlns:a16="http://schemas.microsoft.com/office/drawing/2014/main" id="{8686D658-9330-BA20-4BC9-1E47EEC5B53D}"/>
+              </a:ext>
+            </a:extLst>
+          </p:cNvPr>
+          <p:cNvSpPr/>
+          <p:nvPr/>
+        </p:nvSpPr>
+        <p:spPr>
+          <a:xfrm>
+            <a:off x="10861040" y="0"/>
+            <a:ext cx="1330960" cy="1463040"/>
+          </a:xfrm>
+          <a:prstGeom prst="rect">
+            <a:avLst/>
+          </a:prstGeom>
+          <a:solidFill>
+            <a:srgbClr val="C00000"/>
+          </a:solidFill>
+          <a:ln>
+            <a:noFill/>
+          </a:ln>
+        </p:spPr>
+        <p:style>
+          <a:lnRef idx="2">
+            <a:schemeClr val="accent1">
+              <a:shade val="15000"/>
+            </a:schemeClr>
+          </a:lnRef>
+          <a:fillRef idx="1">
+            <a:schemeClr val="accent1"/>
+          </a:fillRef>
+          <a:effectRef idx="0">
+            <a:schemeClr val="accent1"/>
+          </a:effectRef>
+          <a:fontRef idx="minor">
+            <a:schemeClr val="lt1"/>
+          </a:fontRef>
+        </p:style>
+        <p:txBody>
+          <a:bodyPr rtlCol="0" anchor="ctr"/>
+          <a:lstStyle/>
+          <a:p>
+            <a:pPr algn="ctr"/>
+            <a:endParaRPr lang="en-IN"/>
+          </a:p>
+        </p:txBody>
+      </p:sp>
+      <p:sp>
+        <p:nvSpPr>
+          <p:cNvPr id="3" name="Title 2">
+            <a:extLst>
+              <a:ext uri="{FF2B5EF4-FFF2-40B4-BE49-F238E27FC236}">
+                <a16:creationId xmlns:a16="http://schemas.microsoft.com/office/drawing/2014/main" id="{CEA128C4-A0BC-A895-713C-306E7FF62894}"/>
+              </a:ext>
+            </a:extLst>
+          </p:cNvPr>
+          <p:cNvSpPr>
+            <a:spLocks noGrp="1"/>
+          </p:cNvSpPr>
+          <p:nvPr>
+            <p:ph type="title"/>
+          </p:nvPr>
+        </p:nvSpPr>
+        <p:spPr/>
+        <p:txBody>
+          <a:bodyPr vert="horz" anchor="ctr">
+            <a:noAutofit/>
+          </a:bodyPr>
+          <a:lstStyle/>
+          <a:p>
+            <a:r>
+              <a:rPr lang="en-US" b="1" dirty="0">
+                <a:effectLst>
+                  <a:outerShdw blurRad="38100" dist="38100" dir="2700000" algn="tl">
+                    <a:srgbClr val="000000">
+                      <a:alpha val="43137"/>
+                    </a:srgbClr>
+                  </a:outerShdw>
+                </a:effectLst>
+                <a:latin typeface="+mn-lt"/>
+                <a:cs typeface="+mj-cs"/>
+              </a:rPr>
+              <a:t>Learning 4 | My takeaways</a:t>
+            </a:r>
+            <a:endParaRPr lang="en-IN" sz="4000" i="1" u="sng" dirty="0">
+              <a:effectLst>
+                <a:outerShdw blurRad="38100" dist="38100" dir="2700000" algn="tl">
+                  <a:srgbClr val="000000">
+                    <a:alpha val="43137"/>
+                  </a:srgbClr>
+                </a:outerShdw>
+              </a:effectLst>
+              <a:highlight>
+                <a:srgbClr val="FF6600"/>
+              </a:highlight>
+            </a:endParaRPr>
+          </a:p>
+        </p:txBody>
+      </p:sp>
+      <p:sp>
+        <p:nvSpPr>
+          <p:cNvPr id="4" name="Slide Number Placeholder 3">
+            <a:extLst>
+              <a:ext uri="{FF2B5EF4-FFF2-40B4-BE49-F238E27FC236}">
+                <a16:creationId xmlns:a16="http://schemas.microsoft.com/office/drawing/2014/main" id="{82193751-E94F-32C7-DCCA-7D3244D279EA}"/>
+              </a:ext>
+            </a:extLst>
+          </p:cNvPr>
+          <p:cNvSpPr>
+            <a:spLocks noGrp="1"/>
+          </p:cNvSpPr>
+          <p:nvPr>
+            <p:ph type="sldNum" sz="quarter" idx="15"/>
+          </p:nvPr>
+        </p:nvSpPr>
+        <p:spPr/>
+        <p:txBody>
+          <a:bodyPr/>
+          <a:lstStyle/>
+          <a:p>
+            <a:fld id="{0879F475-59B1-4993-848A-C2B683DE9AF5}" type="slidenum">
+              <a:rPr lang="en-IN" smtClean="0"/>
+              <a:pPr/>
+              <a:t>7</a:t>
+            </a:fld>
+            <a:endParaRPr lang="en-IN" dirty="0"/>
+          </a:p>
+        </p:txBody>
+      </p:sp>
+      <p:pic>
+        <p:nvPicPr>
+          <p:cNvPr id="9" name="Graphic 8" descr="Idea outline">
+            <a:extLst>
+              <a:ext uri="{FF2B5EF4-FFF2-40B4-BE49-F238E27FC236}">
+                <a16:creationId xmlns:a16="http://schemas.microsoft.com/office/drawing/2014/main" id="{8701F636-0E69-F494-2D36-9D9665F8A8DA}"/>
+              </a:ext>
+            </a:extLst>
+          </p:cNvPr>
+          <p:cNvPicPr>
+            <a:picLocks noChangeAspect="1"/>
+          </p:cNvPicPr>
+          <p:nvPr/>
+        </p:nvPicPr>
+        <p:blipFill>
+          <a:blip r:embed="rId5">
+            <a:extLst>
+              <a:ext uri="{96DAC541-7B7A-43D3-8B79-37D633B846F1}">
+                <asvg:svgBlip xmlns:asvg="http://schemas.microsoft.com/office/drawing/2016/SVG/main" r:embed="rId6"/>
+              </a:ext>
+            </a:extLst>
+          </a:blip>
+          <a:stretch>
+            <a:fillRect/>
+          </a:stretch>
+        </p:blipFill>
+        <p:spPr>
+          <a:xfrm>
+            <a:off x="10957498" y="141532"/>
+            <a:ext cx="1159454" cy="1159454"/>
+          </a:xfrm>
+          <a:prstGeom prst="rect">
+            <a:avLst/>
+          </a:prstGeom>
+        </p:spPr>
+      </p:pic>
+      <p:sp>
+        <p:nvSpPr>
+          <p:cNvPr id="2" name="Content Placeholder 2">
+            <a:extLst>
+              <a:ext uri="{FF2B5EF4-FFF2-40B4-BE49-F238E27FC236}">
+                <a16:creationId xmlns:a16="http://schemas.microsoft.com/office/drawing/2014/main" id="{96E4DBA5-C01A-000F-7E6C-FF577F4111D1}"/>
+              </a:ext>
+            </a:extLst>
+          </p:cNvPr>
+          <p:cNvSpPr txBox="1">
+            <a:spLocks/>
+          </p:cNvSpPr>
+          <p:nvPr/>
+        </p:nvSpPr>
+        <p:spPr>
+          <a:xfrm>
+            <a:off x="433726" y="1860993"/>
+            <a:ext cx="11309311" cy="4076241"/>
+          </a:xfrm>
+          <a:prstGeom prst="rect">
+            <a:avLst/>
+          </a:prstGeom>
+          <a:solidFill>
+            <a:schemeClr val="bg1"/>
+          </a:solidFill>
+          <a:ln>
+            <a:noFill/>
+          </a:ln>
+          <a:effectLst>
+            <a:outerShdw blurRad="63500" sx="102000" sy="102000" algn="ctr" rotWithShape="0">
+              <a:prstClr val="black">
+                <a:alpha val="40000"/>
+              </a:prstClr>
+            </a:outerShdw>
+          </a:effectLst>
+        </p:spPr>
+        <p:txBody>
+          <a:bodyPr/>
+          <a:lstStyle>
+            <a:lvl1pPr marL="228600" indent="-228600" algn="l" defTabSz="914400" rtl="0" eaLnBrk="1" latinLnBrk="0" hangingPunct="1">
+              <a:lnSpc>
+                <a:spcPct val="90000"/>
+              </a:lnSpc>
+              <a:spcBef>
+                <a:spcPts val="1000"/>
+              </a:spcBef>
+              <a:buFont typeface="Arial" panose="020B0604020202020204" pitchFamily="34" charset="0"/>
+              <a:buChar char="•"/>
+              <a:defRPr sz="1600" kern="1200">
+                <a:solidFill>
+                  <a:schemeClr val="tx1"/>
+                </a:solidFill>
+                <a:latin typeface="+mn-lt"/>
+                <a:ea typeface="+mn-ea"/>
+                <a:cs typeface="+mn-cs"/>
+              </a:defRPr>
+            </a:lvl1pPr>
+            <a:lvl2pPr marL="685800" indent="-228600" algn="l" defTabSz="914400" rtl="0" eaLnBrk="1" latinLnBrk="0" hangingPunct="1">
+              <a:lnSpc>
+                <a:spcPct val="90000"/>
+              </a:lnSpc>
+              <a:spcBef>
+                <a:spcPts val="500"/>
+              </a:spcBef>
+              <a:buFont typeface="Arial" panose="020B0604020202020204" pitchFamily="34" charset="0"/>
+              <a:buChar char="•"/>
+              <a:defRPr sz="1600" kern="1200">
+                <a:solidFill>
+                  <a:schemeClr val="tx1"/>
+                </a:solidFill>
+                <a:latin typeface="+mn-lt"/>
+                <a:ea typeface="+mn-ea"/>
+                <a:cs typeface="+mn-cs"/>
+              </a:defRPr>
+            </a:lvl2pPr>
+            <a:lvl3pPr marL="1143000" indent="-228600" algn="l" defTabSz="914400" rtl="0" eaLnBrk="1" latinLnBrk="0" hangingPunct="1">
+              <a:lnSpc>
+                <a:spcPct val="90000"/>
+              </a:lnSpc>
+              <a:spcBef>
+                <a:spcPts val="500"/>
+              </a:spcBef>
+              <a:buFont typeface="Arial" panose="020B0604020202020204" pitchFamily="34" charset="0"/>
+              <a:buChar char="•"/>
+              <a:defRPr sz="1600" kern="1200">
+                <a:solidFill>
+                  <a:schemeClr val="tx1"/>
+                </a:solidFill>
+                <a:latin typeface="+mn-lt"/>
+                <a:ea typeface="+mn-ea"/>
+                <a:cs typeface="+mn-cs"/>
+              </a:defRPr>
+            </a:lvl3pPr>
+            <a:lvl4pPr marL="1600200" indent="-228600" algn="l" defTabSz="914400" rtl="0" eaLnBrk="1" latinLnBrk="0" hangingPunct="1">
+              <a:lnSpc>
+                <a:spcPct val="90000"/>
+              </a:lnSpc>
+              <a:spcBef>
+                <a:spcPts val="500"/>
+              </a:spcBef>
+              <a:buFont typeface="Arial" panose="020B0604020202020204" pitchFamily="34" charset="0"/>
+              <a:buChar char="•"/>
+              <a:defRPr sz="1600" kern="1200">
+                <a:solidFill>
+                  <a:schemeClr val="tx1"/>
+                </a:solidFill>
+                <a:latin typeface="+mn-lt"/>
+                <a:ea typeface="+mn-ea"/>
+                <a:cs typeface="+mn-cs"/>
+              </a:defRPr>
+            </a:lvl4pPr>
+            <a:lvl5pPr marL="2057400" indent="-228600" algn="l" defTabSz="914400" rtl="0" eaLnBrk="1" latinLnBrk="0" hangingPunct="1">
+              <a:lnSpc>
+                <a:spcPct val="90000"/>
+              </a:lnSpc>
+              <a:spcBef>
+                <a:spcPts val="500"/>
+              </a:spcBef>
+              <a:buFont typeface="Arial" panose="020B0604020202020204" pitchFamily="34" charset="0"/>
+              <a:buChar char="•"/>
+              <a:defRPr sz="1600" kern="1200">
+                <a:solidFill>
+                  <a:schemeClr val="tx1"/>
+                </a:solidFill>
+                <a:latin typeface="+mn-lt"/>
+                <a:ea typeface="+mn-ea"/>
+                <a:cs typeface="+mn-cs"/>
+              </a:defRPr>
+            </a:lvl5pPr>
+            <a:lvl6pPr marL="2514600" indent="-228600" algn="l" defTabSz="914400" rtl="0" eaLnBrk="1" latinLnBrk="0" hangingPunct="1">
+              <a:lnSpc>
+                <a:spcPct val="90000"/>
+              </a:lnSpc>
+              <a:spcBef>
+                <a:spcPts val="500"/>
+              </a:spcBef>
+              <a:buFont typeface="Arial" panose="020B0604020202020204" pitchFamily="34" charset="0"/>
+              <a:buChar char="•"/>
+              <a:defRPr sz="1800" kern="1200">
+                <a:solidFill>
+                  <a:schemeClr val="tx1"/>
+                </a:solidFill>
+                <a:latin typeface="+mn-lt"/>
+                <a:ea typeface="+mn-ea"/>
+                <a:cs typeface="+mn-cs"/>
+              </a:defRPr>
+            </a:lvl6pPr>
+            <a:lvl7pPr marL="2971800" indent="-228600" algn="l" defTabSz="914400" rtl="0" eaLnBrk="1" latinLnBrk="0" hangingPunct="1">
+              <a:lnSpc>
+                <a:spcPct val="90000"/>
+              </a:lnSpc>
+              <a:spcBef>
+                <a:spcPts val="500"/>
+              </a:spcBef>
+              <a:buFont typeface="Arial" panose="020B0604020202020204" pitchFamily="34" charset="0"/>
+              <a:buChar char="•"/>
+              <a:defRPr sz="1800" kern="1200">
+                <a:solidFill>
+                  <a:schemeClr val="tx1"/>
+                </a:solidFill>
+                <a:latin typeface="+mn-lt"/>
+                <a:ea typeface="+mn-ea"/>
+                <a:cs typeface="+mn-cs"/>
+              </a:defRPr>
+            </a:lvl7pPr>
+            <a:lvl8pPr marL="3429000" indent="-228600" algn="l" defTabSz="914400" rtl="0" eaLnBrk="1" latinLnBrk="0" hangingPunct="1">
+              <a:lnSpc>
+                <a:spcPct val="90000"/>
+              </a:lnSpc>
+              <a:spcBef>
+                <a:spcPts val="500"/>
+              </a:spcBef>
+              <a:buFont typeface="Arial" panose="020B0604020202020204" pitchFamily="34" charset="0"/>
+              <a:buChar char="•"/>
+              <a:defRPr sz="1800" kern="1200">
+                <a:solidFill>
+                  <a:schemeClr val="tx1"/>
+                </a:solidFill>
+                <a:latin typeface="+mn-lt"/>
+                <a:ea typeface="+mn-ea"/>
+                <a:cs typeface="+mn-cs"/>
+              </a:defRPr>
+            </a:lvl8pPr>
+            <a:lvl9pPr marL="3886200" indent="-228600" algn="l" defTabSz="914400" rtl="0" eaLnBrk="1" latinLnBrk="0" hangingPunct="1">
+              <a:lnSpc>
+                <a:spcPct val="90000"/>
+              </a:lnSpc>
+              <a:spcBef>
+                <a:spcPts val="500"/>
+              </a:spcBef>
+              <a:buFont typeface="Arial" panose="020B0604020202020204" pitchFamily="34" charset="0"/>
+              <a:buChar char="•"/>
+              <a:defRPr sz="1800" kern="1200">
+                <a:solidFill>
+                  <a:schemeClr val="tx1"/>
+                </a:solidFill>
+                <a:latin typeface="+mn-lt"/>
+                <a:ea typeface="+mn-ea"/>
+                <a:cs typeface="+mn-cs"/>
+              </a:defRPr>
+            </a:lvl9pPr>
+          </a:lstStyle>
+          <a:p>
+            <a:pPr algn="l"/>
+            <a:r>
+              <a:rPr lang="en-GB" b="1" i="0" dirty="0">
+                <a:solidFill>
+                  <a:srgbClr val="111111"/>
+                </a:solidFill>
+                <a:effectLst/>
+                <a:highlight>
+                  <a:srgbClr val="F7F7F7"/>
+                </a:highlight>
+                <a:latin typeface="-apple-system"/>
+              </a:rPr>
+              <a:t>Product Backlog for Planning</a:t>
+            </a:r>
+            <a:endParaRPr lang="en-GB" b="0" i="0" dirty="0">
+              <a:solidFill>
+                <a:srgbClr val="111111"/>
+              </a:solidFill>
+              <a:effectLst/>
+              <a:highlight>
+                <a:srgbClr val="F7F7F7"/>
+              </a:highlight>
+              <a:latin typeface="-apple-system"/>
+            </a:endParaRPr>
+          </a:p>
+          <a:p>
+            <a:pPr lvl="1"/>
+            <a:r>
+              <a:rPr lang="en-GB" b="0" i="0" dirty="0">
+                <a:solidFill>
+                  <a:srgbClr val="111111"/>
+                </a:solidFill>
+                <a:effectLst/>
+                <a:highlight>
+                  <a:srgbClr val="F7F7F7"/>
+                </a:highlight>
+                <a:latin typeface="-apple-system"/>
+              </a:rPr>
+              <a:t>Project planning is based on a product backlog containing functions and technology enhancements.</a:t>
+            </a:r>
+          </a:p>
+          <a:p>
+            <a:pPr algn="l">
+              <a:buFont typeface="Arial" panose="020B0604020202020204" pitchFamily="34" charset="0"/>
+              <a:buChar char="•"/>
+            </a:pPr>
+            <a:r>
+              <a:rPr lang="en-GB" b="1" i="0" dirty="0">
+                <a:solidFill>
+                  <a:srgbClr val="111111"/>
+                </a:solidFill>
+                <a:effectLst/>
+                <a:highlight>
+                  <a:srgbClr val="F7F7F7"/>
+                </a:highlight>
+                <a:latin typeface="-apple-system"/>
+              </a:rPr>
+              <a:t>Meetings</a:t>
+            </a:r>
+            <a:r>
+              <a:rPr lang="en-GB" b="0" i="0" dirty="0">
+                <a:solidFill>
+                  <a:srgbClr val="111111"/>
+                </a:solidFill>
+                <a:effectLst/>
+                <a:highlight>
+                  <a:srgbClr val="F7F7F7"/>
+                </a:highlight>
+                <a:latin typeface="-apple-system"/>
+              </a:rPr>
+              <a:t>:</a:t>
+            </a:r>
+          </a:p>
+          <a:p>
+            <a:pPr marL="742950" lvl="1" indent="-285750" algn="l">
+              <a:buFont typeface="Arial" panose="020B0604020202020204" pitchFamily="34" charset="0"/>
+              <a:buChar char="•"/>
+            </a:pPr>
+            <a:r>
+              <a:rPr lang="en-GB" b="0" i="0" dirty="0">
+                <a:solidFill>
+                  <a:srgbClr val="111111"/>
+                </a:solidFill>
+                <a:effectLst/>
+                <a:highlight>
+                  <a:srgbClr val="F7F7F7"/>
+                </a:highlight>
+                <a:latin typeface="-apple-system"/>
+              </a:rPr>
+              <a:t>To decide features for the next sprint.</a:t>
+            </a:r>
+          </a:p>
+          <a:p>
+            <a:pPr marL="742950" lvl="1" indent="-285750" algn="l">
+              <a:buFont typeface="Arial" panose="020B0604020202020204" pitchFamily="34" charset="0"/>
+              <a:buChar char="•"/>
+            </a:pPr>
+            <a:r>
+              <a:rPr lang="en-GB" b="0" i="0" dirty="0">
+                <a:solidFill>
+                  <a:srgbClr val="111111"/>
+                </a:solidFill>
+                <a:effectLst/>
+                <a:highlight>
+                  <a:srgbClr val="F7F7F7"/>
+                </a:highlight>
+                <a:latin typeface="-apple-system"/>
+              </a:rPr>
+              <a:t>To plan out the work.</a:t>
+            </a:r>
+          </a:p>
+          <a:p>
+            <a:pPr algn="l"/>
+            <a:r>
+              <a:rPr lang="en-GB" b="1" i="0" dirty="0">
+                <a:solidFill>
+                  <a:srgbClr val="111111"/>
+                </a:solidFill>
+                <a:effectLst/>
+                <a:highlight>
+                  <a:srgbClr val="F7F7F7"/>
+                </a:highlight>
+                <a:latin typeface="-apple-system"/>
+              </a:rPr>
+              <a:t>Scrum Queues</a:t>
+            </a:r>
+            <a:endParaRPr lang="en-GB" b="0" i="0" dirty="0">
+              <a:solidFill>
+                <a:srgbClr val="111111"/>
+              </a:solidFill>
+              <a:effectLst/>
+              <a:highlight>
+                <a:srgbClr val="F7F7F7"/>
+              </a:highlight>
+              <a:latin typeface="-apple-system"/>
+            </a:endParaRPr>
+          </a:p>
+          <a:p>
+            <a:pPr lvl="1"/>
+            <a:r>
+              <a:rPr lang="en-GB" b="0" i="0" dirty="0">
+                <a:solidFill>
+                  <a:srgbClr val="111111"/>
+                </a:solidFill>
+                <a:effectLst/>
+                <a:highlight>
+                  <a:srgbClr val="F7F7F7"/>
+                </a:highlight>
+                <a:latin typeface="-apple-system"/>
+              </a:rPr>
+              <a:t>Uses lightweight queue-based management and work breakdown mechanisms.</a:t>
+            </a:r>
+          </a:p>
+          <a:p>
+            <a:pPr algn="l"/>
+            <a:r>
+              <a:rPr lang="en-GB" b="1" i="0" dirty="0">
+                <a:solidFill>
+                  <a:srgbClr val="111111"/>
+                </a:solidFill>
+                <a:effectLst/>
+                <a:highlight>
+                  <a:srgbClr val="F7F7F7"/>
+                </a:highlight>
+                <a:latin typeface="-apple-system"/>
+              </a:rPr>
+              <a:t>The Sprint</a:t>
+            </a:r>
+            <a:endParaRPr lang="en-GB" b="0" i="0" dirty="0">
+              <a:solidFill>
+                <a:srgbClr val="111111"/>
+              </a:solidFill>
+              <a:effectLst/>
+              <a:highlight>
+                <a:srgbClr val="F7F7F7"/>
+              </a:highlight>
+              <a:latin typeface="-apple-system"/>
+            </a:endParaRPr>
+          </a:p>
+          <a:p>
+            <a:pPr lvl="1"/>
+            <a:r>
+              <a:rPr lang="en-GB" b="1" i="0" dirty="0">
+                <a:solidFill>
+                  <a:srgbClr val="111111"/>
+                </a:solidFill>
+                <a:effectLst/>
+                <a:highlight>
+                  <a:srgbClr val="F7F7F7"/>
+                </a:highlight>
+                <a:latin typeface="-apple-system"/>
+              </a:rPr>
+              <a:t>Definition</a:t>
+            </a:r>
+            <a:r>
+              <a:rPr lang="en-GB" b="0" i="0" dirty="0">
+                <a:solidFill>
+                  <a:srgbClr val="111111"/>
+                </a:solidFill>
+                <a:effectLst/>
+                <a:highlight>
+                  <a:srgbClr val="F7F7F7"/>
+                </a:highlight>
+                <a:latin typeface="-apple-system"/>
+              </a:rPr>
+              <a:t>: The basic unit of development in Scrum.</a:t>
+            </a:r>
+          </a:p>
+          <a:p>
+            <a:pPr lvl="1"/>
+            <a:r>
+              <a:rPr lang="en-GB" b="1" i="0" dirty="0">
+                <a:solidFill>
+                  <a:srgbClr val="111111"/>
+                </a:solidFill>
+                <a:effectLst/>
+                <a:highlight>
+                  <a:srgbClr val="F7F7F7"/>
+                </a:highlight>
+                <a:latin typeface="-apple-system"/>
+              </a:rPr>
+              <a:t>Duration</a:t>
+            </a:r>
+            <a:r>
+              <a:rPr lang="en-GB" b="0" i="0" dirty="0">
+                <a:solidFill>
+                  <a:srgbClr val="111111"/>
+                </a:solidFill>
+                <a:effectLst/>
+                <a:highlight>
+                  <a:srgbClr val="F7F7F7"/>
+                </a:highlight>
+                <a:latin typeface="-apple-system"/>
+              </a:rPr>
+              <a:t>: One week to one month.</a:t>
+            </a:r>
+          </a:p>
+          <a:p>
+            <a:pPr lvl="1"/>
+            <a:r>
+              <a:rPr lang="en-GB" b="1" i="0" dirty="0">
+                <a:solidFill>
+                  <a:srgbClr val="111111"/>
+                </a:solidFill>
+                <a:effectLst/>
+                <a:highlight>
+                  <a:srgbClr val="F7F7F7"/>
+                </a:highlight>
+                <a:latin typeface="-apple-system"/>
+              </a:rPr>
+              <a:t>“Time-Boxed”</a:t>
+            </a:r>
+            <a:r>
+              <a:rPr lang="en-GB" b="0" i="0" dirty="0">
+                <a:solidFill>
+                  <a:srgbClr val="111111"/>
+                </a:solidFill>
+                <a:effectLst/>
+                <a:highlight>
+                  <a:srgbClr val="F7F7F7"/>
+                </a:highlight>
+                <a:latin typeface="-apple-system"/>
+              </a:rPr>
+              <a:t>: Effort of a constant length.</a:t>
+            </a:r>
+          </a:p>
+          <a:p>
+            <a:pPr algn="l"/>
+            <a:r>
+              <a:rPr lang="en-GB" b="1" i="0" dirty="0">
+                <a:solidFill>
+                  <a:srgbClr val="111111"/>
+                </a:solidFill>
+                <a:effectLst/>
+                <a:highlight>
+                  <a:srgbClr val="F7F7F7"/>
+                </a:highlight>
+                <a:latin typeface="-apple-system"/>
+              </a:rPr>
+              <a:t>Setting Up Azure DevOps</a:t>
+            </a:r>
+            <a:endParaRPr lang="en-GB" b="0" i="0" dirty="0">
+              <a:solidFill>
+                <a:srgbClr val="111111"/>
+              </a:solidFill>
+              <a:effectLst/>
+              <a:highlight>
+                <a:srgbClr val="F7F7F7"/>
+              </a:highlight>
+              <a:latin typeface="-apple-system"/>
+            </a:endParaRPr>
+          </a:p>
+          <a:p>
+            <a:pPr lvl="1"/>
+            <a:r>
+              <a:rPr lang="en-GB" b="0" i="0" dirty="0">
+                <a:solidFill>
+                  <a:srgbClr val="111111"/>
+                </a:solidFill>
+                <a:effectLst/>
+                <a:highlight>
+                  <a:srgbClr val="F7F7F7"/>
+                </a:highlight>
+                <a:latin typeface="-apple-system"/>
+              </a:rPr>
+              <a:t>Details on setting up and using Azure DevOps for project management and development.</a:t>
+            </a:r>
+          </a:p>
+        </p:txBody>
+      </p:sp>
+    </p:spTree>
+    <p:extLst>
+      <p:ext uri="{BB962C8B-B14F-4D97-AF65-F5344CB8AC3E}">
+        <p14:creationId xmlns:p14="http://schemas.microsoft.com/office/powerpoint/2010/main" val="3870553581"/>
+      </p:ext>
+    </p:extLst>
+  </p:cSld>
+  <p:clrMapOvr>
+    <a:masterClrMapping/>
+  </p:clrMapOvr>
+</p:sld>
+</file>
+
+<file path=ppt/slides/slide8.xml><?xml version="1.0" encoding="utf-8"?>
 <p:sld xmlns:a="http://schemas.openxmlformats.org/drawingml/2006/main" xmlns:r="http://schemas.openxmlformats.org/officeDocument/2006/relationships" xmlns:p="http://schemas.openxmlformats.org/presentationml/2006/main">
   <p:cSld>
     <p:spTree>
@@ -10521,6 +13251,18 @@
 </file>
 
 <file path=ppt/tags/tag5.xml><?xml version="1.0" encoding="utf-8"?>
+<p:tagLst xmlns:a="http://schemas.openxmlformats.org/drawingml/2006/main" xmlns:r="http://schemas.openxmlformats.org/officeDocument/2006/relationships" xmlns:p="http://schemas.openxmlformats.org/presentationml/2006/main">
+  <p:tag name="THINKCELLSHAPEDONOTDELETE" val="thinkcellActiveDocDoNotDelete"/>
+</p:tagLst>
+</file>
+
+<file path=ppt/tags/tag6.xml><?xml version="1.0" encoding="utf-8"?>
+<p:tagLst xmlns:a="http://schemas.openxmlformats.org/drawingml/2006/main" xmlns:r="http://schemas.openxmlformats.org/officeDocument/2006/relationships" xmlns:p="http://schemas.openxmlformats.org/presentationml/2006/main">
+  <p:tag name="THINKCELLSHAPEDONOTDELETE" val="thinkcellActiveDocDoNotDelete"/>
+</p:tagLst>
+</file>
+
+<file path=ppt/tags/tag7.xml><?xml version="1.0" encoding="utf-8"?>
 <p:tagLst xmlns:a="http://schemas.openxmlformats.org/drawingml/2006/main" xmlns:r="http://schemas.openxmlformats.org/officeDocument/2006/relationships" xmlns:p="http://schemas.openxmlformats.org/presentationml/2006/main">
   <p:tag name="THINKCELLSHAPEDONOTDELETE" val="thinkcellActiveDocDoNotDelete"/>
 </p:tagLst>
@@ -11318,23 +14060,6 @@
 </file>
 
 <file path=customXml/item1.xml><?xml version="1.0" encoding="utf-8"?>
-<?mso-contentType ?>
-<FormTemplates xmlns="http://schemas.microsoft.com/sharepoint/v3/contenttype/forms">
-  <Display>DocumentLibraryForm</Display>
-  <Edit>DocumentLibraryForm</Edit>
-  <New>DocumentLibraryForm</New>
-</FormTemplates>
-</file>
-
-<file path=customXml/item2.xml><?xml version="1.0" encoding="utf-8"?>
-<p:properties xmlns:p="http://schemas.microsoft.com/office/2006/metadata/properties" xmlns:xsi="http://www.w3.org/2001/XMLSchema-instance" xmlns:pc="http://schemas.microsoft.com/office/infopath/2007/PartnerControls">
-  <documentManagement>
-    <_activity xmlns="d64320fb-f9a3-4131-8206-9d18da17abe9" xsi:nil="true"/>
-  </documentManagement>
-</p:properties>
-</file>
-
-<file path=customXml/item3.xml><?xml version="1.0" encoding="utf-8"?>
 <ct:contentTypeSchema xmlns:ct="http://schemas.microsoft.com/office/2006/metadata/contentType" xmlns:ma="http://schemas.microsoft.com/office/2006/metadata/properties/metaAttributes" ct:_="" ma:_="" ma:contentTypeName="Document" ma:contentTypeID="0x010100BF23033ADD2CC44581BA464AC24AB4CD" ma:contentTypeVersion="18" ma:contentTypeDescription="Create a new document." ma:contentTypeScope="" ma:versionID="bfa97c90a71db97c80c59ca5c0ffda22">
   <xsd:schema xmlns:xsd="http://www.w3.org/2001/XMLSchema" xmlns:xs="http://www.w3.org/2001/XMLSchema" xmlns:p="http://schemas.microsoft.com/office/2006/metadata/properties" xmlns:ns3="d64320fb-f9a3-4131-8206-9d18da17abe9" xmlns:ns4="489eda54-cdc8-4a48-94a2-8f9cf8024289" targetNamespace="http://schemas.microsoft.com/office/2006/metadata/properties" ma:root="true" ma:fieldsID="be474ca7a15bf1e8a5e4b2eb5ea5d141" ns3:_="" ns4:_="">
     <xsd:import namespace="d64320fb-f9a3-4131-8206-9d18da17abe9"/>
@@ -11587,10 +14312,38 @@
 </ct:contentTypeSchema>
 </file>
 
+<file path=customXml/item2.xml><?xml version="1.0" encoding="utf-8"?>
+<p:properties xmlns:p="http://schemas.microsoft.com/office/2006/metadata/properties" xmlns:xsi="http://www.w3.org/2001/XMLSchema-instance" xmlns:pc="http://schemas.microsoft.com/office/infopath/2007/PartnerControls">
+  <documentManagement>
+    <_activity xmlns="d64320fb-f9a3-4131-8206-9d18da17abe9" xsi:nil="true"/>
+  </documentManagement>
+</p:properties>
+</file>
+
+<file path=customXml/item3.xml><?xml version="1.0" encoding="utf-8"?>
+<?mso-contentType ?>
+<FormTemplates xmlns="http://schemas.microsoft.com/sharepoint/v3/contenttype/forms">
+  <Display>DocumentLibraryForm</Display>
+  <Edit>DocumentLibraryForm</Edit>
+  <New>DocumentLibraryForm</New>
+</FormTemplates>
+</file>
+
 <file path=customXml/itemProps1.xml><?xml version="1.0" encoding="utf-8"?>
-<ds:datastoreItem xmlns:ds="http://schemas.openxmlformats.org/officeDocument/2006/customXml" ds:itemID="{911617EF-9A33-49DD-BF18-3F75C7B3CC29}">
+<ds:datastoreItem xmlns:ds="http://schemas.openxmlformats.org/officeDocument/2006/customXml" ds:itemID="{912B7AD5-CBD7-462B-BC8B-1E0D74017F51}">
   <ds:schemaRefs>
-    <ds:schemaRef ds:uri="http://schemas.microsoft.com/sharepoint/v3/contenttype/forms"/>
+    <ds:schemaRef ds:uri="http://schemas.microsoft.com/office/2006/metadata/contentType"/>
+    <ds:schemaRef ds:uri="http://schemas.microsoft.com/office/2006/metadata/properties/metaAttributes"/>
+    <ds:schemaRef ds:uri="http://www.w3.org/2001/XMLSchema"/>
+    <ds:schemaRef ds:uri="http://schemas.microsoft.com/office/2006/metadata/properties"/>
+    <ds:schemaRef ds:uri="d64320fb-f9a3-4131-8206-9d18da17abe9"/>
+    <ds:schemaRef ds:uri="489eda54-cdc8-4a48-94a2-8f9cf8024289"/>
+    <ds:schemaRef ds:uri="http://schemas.microsoft.com/office/2006/documentManagement/types"/>
+    <ds:schemaRef ds:uri="http://schemas.microsoft.com/office/infopath/2007/PartnerControls"/>
+    <ds:schemaRef ds:uri="http://schemas.openxmlformats.org/package/2006/metadata/core-properties"/>
+    <ds:schemaRef ds:uri="http://purl.org/dc/elements/1.1/"/>
+    <ds:schemaRef ds:uri="http://purl.org/dc/terms/"/>
+    <ds:schemaRef ds:uri="http://schemas.microsoft.com/internal/obd"/>
   </ds:schemaRefs>
 </ds:datastoreItem>
 </file>
@@ -11613,20 +14366,9 @@
 </file>
 
 <file path=customXml/itemProps3.xml><?xml version="1.0" encoding="utf-8"?>
-<ds:datastoreItem xmlns:ds="http://schemas.openxmlformats.org/officeDocument/2006/customXml" ds:itemID="{912B7AD5-CBD7-462B-BC8B-1E0D74017F51}">
+<ds:datastoreItem xmlns:ds="http://schemas.openxmlformats.org/officeDocument/2006/customXml" ds:itemID="{911617EF-9A33-49DD-BF18-3F75C7B3CC29}">
   <ds:schemaRefs>
-    <ds:schemaRef ds:uri="http://schemas.microsoft.com/office/2006/metadata/contentType"/>
-    <ds:schemaRef ds:uri="http://schemas.microsoft.com/office/2006/metadata/properties/metaAttributes"/>
-    <ds:schemaRef ds:uri="http://www.w3.org/2001/XMLSchema"/>
-    <ds:schemaRef ds:uri="http://schemas.microsoft.com/office/2006/metadata/properties"/>
-    <ds:schemaRef ds:uri="d64320fb-f9a3-4131-8206-9d18da17abe9"/>
-    <ds:schemaRef ds:uri="489eda54-cdc8-4a48-94a2-8f9cf8024289"/>
-    <ds:schemaRef ds:uri="http://schemas.microsoft.com/office/2006/documentManagement/types"/>
-    <ds:schemaRef ds:uri="http://schemas.microsoft.com/office/infopath/2007/PartnerControls"/>
-    <ds:schemaRef ds:uri="http://schemas.openxmlformats.org/package/2006/metadata/core-properties"/>
-    <ds:schemaRef ds:uri="http://purl.org/dc/elements/1.1/"/>
-    <ds:schemaRef ds:uri="http://purl.org/dc/terms/"/>
-    <ds:schemaRef ds:uri="http://schemas.microsoft.com/internal/obd"/>
+    <ds:schemaRef ds:uri="http://schemas.microsoft.com/sharepoint/v3/contenttype/forms"/>
   </ds:schemaRefs>
 </ds:datastoreItem>
 </file>
